--- a/Harris corner detector/새 Microsoft Office PowerPoint 프레젠테이션.pptx
+++ b/Harris corner detector/새 Microsoft Office PowerPoint 프레젠테이션.pptx
@@ -7,11 +7,16 @@
   <p:sldIdLst>
     <p:sldId id="256" r:id="rId2"/>
     <p:sldId id="257" r:id="rId3"/>
-    <p:sldId id="258" r:id="rId4"/>
-    <p:sldId id="259" r:id="rId5"/>
-    <p:sldId id="260" r:id="rId6"/>
-    <p:sldId id="261" r:id="rId7"/>
-    <p:sldId id="262" r:id="rId8"/>
+    <p:sldId id="263" r:id="rId4"/>
+    <p:sldId id="258" r:id="rId5"/>
+    <p:sldId id="264" r:id="rId6"/>
+    <p:sldId id="259" r:id="rId7"/>
+    <p:sldId id="260" r:id="rId8"/>
+    <p:sldId id="262" r:id="rId9"/>
+    <p:sldId id="265" r:id="rId10"/>
+    <p:sldId id="266" r:id="rId11"/>
+    <p:sldId id="268" r:id="rId12"/>
+    <p:sldId id="267" r:id="rId13"/>
   </p:sldIdLst>
   <p:sldSz cx="9144000" cy="6858000" type="screen4x3"/>
   <p:notesSz cx="6858000" cy="9144000"/>
@@ -110,6 +115,22 @@
       </a:defRPr>
     </a:lvl9pPr>
   </p:defaultTextStyle>
+  <p:extLst>
+    <p:ext uri="{EFAFB233-063F-42B5-8137-9DF3F51BA10A}">
+      <p15:sldGuideLst xmlns:p15="http://schemas.microsoft.com/office/powerpoint/2012/main">
+        <p15:guide id="1" orient="horz" pos="2160">
+          <p15:clr>
+            <a:srgbClr val="A4A3A4"/>
+          </p15:clr>
+        </p15:guide>
+        <p15:guide id="2" pos="2880">
+          <p15:clr>
+            <a:srgbClr val="A4A3A4"/>
+          </p15:clr>
+        </p15:guide>
+      </p15:sldGuideLst>
+    </p:ext>
+  </p:extLst>
 </p:presentation>
 </file>
 
@@ -295,7 +316,7 @@
             <a:fld id="{FB30EDBD-1C2D-4C1E-B459-B60219FAB484}" type="datetimeFigureOut">
               <a:rPr lang="ko-KR" altLang="en-US" smtClean="0"/>
               <a:pPr/>
-              <a:t>2018-08-06</a:t>
+              <a:t>2018-08-09</a:t>
             </a:fld>
             <a:endParaRPr lang="ko-KR" altLang="en-US"/>
           </a:p>
@@ -462,7 +483,7 @@
             <a:fld id="{FB30EDBD-1C2D-4C1E-B459-B60219FAB484}" type="datetimeFigureOut">
               <a:rPr lang="ko-KR" altLang="en-US" smtClean="0"/>
               <a:pPr/>
-              <a:t>2018-08-06</a:t>
+              <a:t>2018-08-09</a:t>
             </a:fld>
             <a:endParaRPr lang="ko-KR" altLang="en-US"/>
           </a:p>
@@ -639,7 +660,7 @@
             <a:fld id="{FB30EDBD-1C2D-4C1E-B459-B60219FAB484}" type="datetimeFigureOut">
               <a:rPr lang="ko-KR" altLang="en-US" smtClean="0"/>
               <a:pPr/>
-              <a:t>2018-08-06</a:t>
+              <a:t>2018-08-09</a:t>
             </a:fld>
             <a:endParaRPr lang="ko-KR" altLang="en-US"/>
           </a:p>
@@ -806,7 +827,7 @@
             <a:fld id="{FB30EDBD-1C2D-4C1E-B459-B60219FAB484}" type="datetimeFigureOut">
               <a:rPr lang="ko-KR" altLang="en-US" smtClean="0"/>
               <a:pPr/>
-              <a:t>2018-08-06</a:t>
+              <a:t>2018-08-09</a:t>
             </a:fld>
             <a:endParaRPr lang="ko-KR" altLang="en-US"/>
           </a:p>
@@ -1049,7 +1070,7 @@
             <a:fld id="{FB30EDBD-1C2D-4C1E-B459-B60219FAB484}" type="datetimeFigureOut">
               <a:rPr lang="ko-KR" altLang="en-US" smtClean="0"/>
               <a:pPr/>
-              <a:t>2018-08-06</a:t>
+              <a:t>2018-08-09</a:t>
             </a:fld>
             <a:endParaRPr lang="ko-KR" altLang="en-US"/>
           </a:p>
@@ -1334,7 +1355,7 @@
             <a:fld id="{FB30EDBD-1C2D-4C1E-B459-B60219FAB484}" type="datetimeFigureOut">
               <a:rPr lang="ko-KR" altLang="en-US" smtClean="0"/>
               <a:pPr/>
-              <a:t>2018-08-06</a:t>
+              <a:t>2018-08-09</a:t>
             </a:fld>
             <a:endParaRPr lang="ko-KR" altLang="en-US"/>
           </a:p>
@@ -1753,7 +1774,7 @@
             <a:fld id="{FB30EDBD-1C2D-4C1E-B459-B60219FAB484}" type="datetimeFigureOut">
               <a:rPr lang="ko-KR" altLang="en-US" smtClean="0"/>
               <a:pPr/>
-              <a:t>2018-08-06</a:t>
+              <a:t>2018-08-09</a:t>
             </a:fld>
             <a:endParaRPr lang="ko-KR" altLang="en-US"/>
           </a:p>
@@ -1868,7 +1889,7 @@
             <a:fld id="{FB30EDBD-1C2D-4C1E-B459-B60219FAB484}" type="datetimeFigureOut">
               <a:rPr lang="ko-KR" altLang="en-US" smtClean="0"/>
               <a:pPr/>
-              <a:t>2018-08-06</a:t>
+              <a:t>2018-08-09</a:t>
             </a:fld>
             <a:endParaRPr lang="ko-KR" altLang="en-US"/>
           </a:p>
@@ -1960,7 +1981,7 @@
             <a:fld id="{FB30EDBD-1C2D-4C1E-B459-B60219FAB484}" type="datetimeFigureOut">
               <a:rPr lang="ko-KR" altLang="en-US" smtClean="0"/>
               <a:pPr/>
-              <a:t>2018-08-06</a:t>
+              <a:t>2018-08-09</a:t>
             </a:fld>
             <a:endParaRPr lang="ko-KR" altLang="en-US"/>
           </a:p>
@@ -2234,7 +2255,7 @@
             <a:fld id="{FB30EDBD-1C2D-4C1E-B459-B60219FAB484}" type="datetimeFigureOut">
               <a:rPr lang="ko-KR" altLang="en-US" smtClean="0"/>
               <a:pPr/>
-              <a:t>2018-08-06</a:t>
+              <a:t>2018-08-09</a:t>
             </a:fld>
             <a:endParaRPr lang="ko-KR" altLang="en-US"/>
           </a:p>
@@ -2484,7 +2505,7 @@
             <a:fld id="{FB30EDBD-1C2D-4C1E-B459-B60219FAB484}" type="datetimeFigureOut">
               <a:rPr lang="ko-KR" altLang="en-US" smtClean="0"/>
               <a:pPr/>
-              <a:t>2018-08-06</a:t>
+              <a:t>2018-08-09</a:t>
             </a:fld>
             <a:endParaRPr lang="ko-KR" altLang="en-US"/>
           </a:p>
@@ -2694,7 +2715,7 @@
             <a:fld id="{FB30EDBD-1C2D-4C1E-B459-B60219FAB484}" type="datetimeFigureOut">
               <a:rPr lang="ko-KR" altLang="en-US" smtClean="0"/>
               <a:pPr/>
-              <a:t>2018-08-06</a:t>
+              <a:t>2018-08-09</a:t>
             </a:fld>
             <a:endParaRPr lang="ko-KR" altLang="en-US"/>
           </a:p>
@@ -3115,6 +3136,321 @@
 </p:sld>
 </file>
 
+<file path=ppt/slides/slide10.xml><?xml version="1.0" encoding="utf-8"?>
+<p:sld xmlns:a="http://schemas.openxmlformats.org/drawingml/2006/main" xmlns:r="http://schemas.openxmlformats.org/officeDocument/2006/relationships" xmlns:p="http://schemas.openxmlformats.org/presentationml/2006/main">
+  <p:cSld>
+    <p:spTree>
+      <p:nvGrpSpPr>
+        <p:cNvPr id="1" name=""/>
+        <p:cNvGrpSpPr/>
+        <p:nvPr/>
+      </p:nvGrpSpPr>
+      <p:grpSpPr>
+        <a:xfrm>
+          <a:off x="0" y="0"/>
+          <a:ext cx="0" cy="0"/>
+          <a:chOff x="0" y="0"/>
+          <a:chExt cx="0" cy="0"/>
+        </a:xfrm>
+      </p:grpSpPr>
+      <p:sp>
+        <p:nvSpPr>
+          <p:cNvPr id="2" name="제목 1"/>
+          <p:cNvSpPr>
+            <a:spLocks noGrp="1"/>
+          </p:cNvSpPr>
+          <p:nvPr>
+            <p:ph type="title"/>
+          </p:nvPr>
+        </p:nvSpPr>
+        <p:spPr/>
+        <p:txBody>
+          <a:bodyPr/>
+          <a:lstStyle/>
+          <a:p>
+            <a:r>
+              <a:rPr lang="ko-KR" altLang="en-US" dirty="0" smtClean="0"/>
+              <a:t>결과</a:t>
+            </a:r>
+            <a:endParaRPr lang="ko-KR" altLang="en-US" dirty="0"/>
+          </a:p>
+        </p:txBody>
+      </p:sp>
+      <p:sp>
+        <p:nvSpPr>
+          <p:cNvPr id="3" name="내용 개체 틀 2"/>
+          <p:cNvSpPr>
+            <a:spLocks noGrp="1"/>
+          </p:cNvSpPr>
+          <p:nvPr>
+            <p:ph idx="1"/>
+          </p:nvPr>
+        </p:nvSpPr>
+        <p:spPr/>
+        <p:txBody>
+          <a:bodyPr/>
+          <a:lstStyle/>
+          <a:p>
+            <a:endParaRPr lang="ko-KR" altLang="en-US" dirty="0"/>
+          </a:p>
+        </p:txBody>
+      </p:sp>
+      <p:pic>
+        <p:nvPicPr>
+          <p:cNvPr id="5" name="그림 4"/>
+          <p:cNvPicPr>
+            <a:picLocks noChangeAspect="1"/>
+          </p:cNvPicPr>
+          <p:nvPr/>
+        </p:nvPicPr>
+        <p:blipFill>
+          <a:blip r:embed="rId2"/>
+          <a:stretch>
+            <a:fillRect/>
+          </a:stretch>
+        </p:blipFill>
+        <p:spPr>
+          <a:xfrm>
+            <a:off x="431553" y="1656684"/>
+            <a:ext cx="4932536" cy="4738981"/>
+          </a:xfrm>
+          <a:prstGeom prst="rect">
+            <a:avLst/>
+          </a:prstGeom>
+        </p:spPr>
+      </p:pic>
+      <p:pic>
+        <p:nvPicPr>
+          <p:cNvPr id="6" name="그림 5"/>
+          <p:cNvPicPr>
+            <a:picLocks noChangeAspect="1"/>
+          </p:cNvPicPr>
+          <p:nvPr/>
+        </p:nvPicPr>
+        <p:blipFill>
+          <a:blip r:embed="rId3"/>
+          <a:stretch>
+            <a:fillRect/>
+          </a:stretch>
+        </p:blipFill>
+        <p:spPr>
+          <a:xfrm>
+            <a:off x="5364089" y="2389300"/>
+            <a:ext cx="3320944" cy="3273747"/>
+          </a:xfrm>
+          <a:prstGeom prst="rect">
+            <a:avLst/>
+          </a:prstGeom>
+        </p:spPr>
+      </p:pic>
+    </p:spTree>
+    <p:extLst>
+      <p:ext uri="{BB962C8B-B14F-4D97-AF65-F5344CB8AC3E}">
+        <p14:creationId xmlns:p14="http://schemas.microsoft.com/office/powerpoint/2010/main" val="910156850"/>
+      </p:ext>
+    </p:extLst>
+  </p:cSld>
+  <p:clrMapOvr>
+    <a:masterClrMapping/>
+  </p:clrMapOvr>
+</p:sld>
+</file>
+
+<file path=ppt/slides/slide11.xml><?xml version="1.0" encoding="utf-8"?>
+<p:sld xmlns:a="http://schemas.openxmlformats.org/drawingml/2006/main" xmlns:r="http://schemas.openxmlformats.org/officeDocument/2006/relationships" xmlns:p="http://schemas.openxmlformats.org/presentationml/2006/main">
+  <p:cSld>
+    <p:spTree>
+      <p:nvGrpSpPr>
+        <p:cNvPr id="1" name=""/>
+        <p:cNvGrpSpPr/>
+        <p:nvPr/>
+      </p:nvGrpSpPr>
+      <p:grpSpPr>
+        <a:xfrm>
+          <a:off x="0" y="0"/>
+          <a:ext cx="0" cy="0"/>
+          <a:chOff x="0" y="0"/>
+          <a:chExt cx="0" cy="0"/>
+        </a:xfrm>
+      </p:grpSpPr>
+      <p:sp>
+        <p:nvSpPr>
+          <p:cNvPr id="2" name="제목 1"/>
+          <p:cNvSpPr>
+            <a:spLocks noGrp="1"/>
+          </p:cNvSpPr>
+          <p:nvPr>
+            <p:ph type="title"/>
+          </p:nvPr>
+        </p:nvSpPr>
+        <p:spPr/>
+        <p:txBody>
+          <a:bodyPr/>
+          <a:lstStyle/>
+          <a:p>
+            <a:endParaRPr lang="ko-KR" altLang="en-US"/>
+          </a:p>
+        </p:txBody>
+      </p:sp>
+      <p:pic>
+        <p:nvPicPr>
+          <p:cNvPr id="4" name="내용 개체 틀 3"/>
+          <p:cNvPicPr>
+            <a:picLocks noGrp="1" noChangeAspect="1"/>
+          </p:cNvPicPr>
+          <p:nvPr>
+            <p:ph idx="1"/>
+          </p:nvPr>
+        </p:nvPicPr>
+        <p:blipFill>
+          <a:blip r:embed="rId2"/>
+          <a:stretch>
+            <a:fillRect/>
+          </a:stretch>
+        </p:blipFill>
+        <p:spPr>
+          <a:xfrm>
+            <a:off x="611560" y="1556792"/>
+            <a:ext cx="5437313" cy="4525963"/>
+          </a:xfrm>
+          <a:prstGeom prst="rect">
+            <a:avLst/>
+          </a:prstGeom>
+        </p:spPr>
+      </p:pic>
+    </p:spTree>
+    <p:extLst>
+      <p:ext uri="{BB962C8B-B14F-4D97-AF65-F5344CB8AC3E}">
+        <p14:creationId xmlns:p14="http://schemas.microsoft.com/office/powerpoint/2010/main" val="3052275559"/>
+      </p:ext>
+    </p:extLst>
+  </p:cSld>
+  <p:clrMapOvr>
+    <a:masterClrMapping/>
+  </p:clrMapOvr>
+</p:sld>
+</file>
+
+<file path=ppt/slides/slide12.xml><?xml version="1.0" encoding="utf-8"?>
+<p:sld xmlns:a="http://schemas.openxmlformats.org/drawingml/2006/main" xmlns:r="http://schemas.openxmlformats.org/officeDocument/2006/relationships" xmlns:p="http://schemas.openxmlformats.org/presentationml/2006/main">
+  <p:cSld>
+    <p:spTree>
+      <p:nvGrpSpPr>
+        <p:cNvPr id="1" name=""/>
+        <p:cNvGrpSpPr/>
+        <p:nvPr/>
+      </p:nvGrpSpPr>
+      <p:grpSpPr>
+        <a:xfrm>
+          <a:off x="0" y="0"/>
+          <a:ext cx="0" cy="0"/>
+          <a:chOff x="0" y="0"/>
+          <a:chExt cx="0" cy="0"/>
+        </a:xfrm>
+      </p:grpSpPr>
+      <p:sp>
+        <p:nvSpPr>
+          <p:cNvPr id="2" name="제목 1"/>
+          <p:cNvSpPr>
+            <a:spLocks noGrp="1"/>
+          </p:cNvSpPr>
+          <p:nvPr>
+            <p:ph type="title"/>
+          </p:nvPr>
+        </p:nvSpPr>
+        <p:spPr/>
+        <p:txBody>
+          <a:bodyPr/>
+          <a:lstStyle/>
+          <a:p>
+            <a:r>
+              <a:rPr lang="ko-KR" altLang="en-US" dirty="0" smtClean="0"/>
+              <a:t>결과</a:t>
+            </a:r>
+            <a:endParaRPr lang="ko-KR" altLang="en-US" dirty="0"/>
+          </a:p>
+        </p:txBody>
+      </p:sp>
+      <p:sp>
+        <p:nvSpPr>
+          <p:cNvPr id="3" name="내용 개체 틀 2"/>
+          <p:cNvSpPr>
+            <a:spLocks noGrp="1"/>
+          </p:cNvSpPr>
+          <p:nvPr>
+            <p:ph idx="1"/>
+          </p:nvPr>
+        </p:nvSpPr>
+        <p:spPr/>
+        <p:txBody>
+          <a:bodyPr/>
+          <a:lstStyle/>
+          <a:p>
+            <a:endParaRPr lang="ko-KR" altLang="en-US"/>
+          </a:p>
+        </p:txBody>
+      </p:sp>
+      <p:pic>
+        <p:nvPicPr>
+          <p:cNvPr id="4" name="그림 3"/>
+          <p:cNvPicPr>
+            <a:picLocks noChangeAspect="1"/>
+          </p:cNvPicPr>
+          <p:nvPr/>
+        </p:nvPicPr>
+        <p:blipFill>
+          <a:blip r:embed="rId2"/>
+          <a:stretch>
+            <a:fillRect/>
+          </a:stretch>
+        </p:blipFill>
+        <p:spPr>
+          <a:xfrm>
+            <a:off x="179512" y="1772816"/>
+            <a:ext cx="3979540" cy="3921941"/>
+          </a:xfrm>
+          <a:prstGeom prst="rect">
+            <a:avLst/>
+          </a:prstGeom>
+        </p:spPr>
+      </p:pic>
+      <p:pic>
+        <p:nvPicPr>
+          <p:cNvPr id="5" name="그림 4"/>
+          <p:cNvPicPr>
+            <a:picLocks noChangeAspect="1"/>
+          </p:cNvPicPr>
+          <p:nvPr/>
+        </p:nvPicPr>
+        <p:blipFill>
+          <a:blip r:embed="rId3"/>
+          <a:stretch>
+            <a:fillRect/>
+          </a:stretch>
+        </p:blipFill>
+        <p:spPr>
+          <a:xfrm>
+            <a:off x="4550008" y="1988840"/>
+            <a:ext cx="3998628" cy="3816424"/>
+          </a:xfrm>
+          <a:prstGeom prst="rect">
+            <a:avLst/>
+          </a:prstGeom>
+        </p:spPr>
+      </p:pic>
+    </p:spTree>
+    <p:extLst>
+      <p:ext uri="{BB962C8B-B14F-4D97-AF65-F5344CB8AC3E}">
+        <p14:creationId xmlns:p14="http://schemas.microsoft.com/office/powerpoint/2010/main" val="1575175253"/>
+      </p:ext>
+    </p:extLst>
+  </p:cSld>
+  <p:clrMapOvr>
+    <a:masterClrMapping/>
+  </p:clrMapOvr>
+</p:sld>
+</file>
+
 <file path=ppt/slides/slide2.xml><?xml version="1.0" encoding="utf-8"?>
 <p:sld xmlns:a="http://schemas.openxmlformats.org/drawingml/2006/main" xmlns:r="http://schemas.openxmlformats.org/officeDocument/2006/relationships" xmlns:p="http://schemas.openxmlformats.org/presentationml/2006/main">
   <p:cSld>
@@ -3172,12 +3508,12 @@
         <p:spPr>
           <a:xfrm>
             <a:off x="457200" y="5445224"/>
-            <a:ext cx="8229600" cy="864096"/>
+            <a:ext cx="8229600" cy="1152128"/>
           </a:xfrm>
         </p:spPr>
         <p:txBody>
           <a:bodyPr>
-            <a:normAutofit fontScale="70000" lnSpcReduction="20000"/>
+            <a:normAutofit fontScale="77500" lnSpcReduction="20000"/>
           </a:bodyPr>
           <a:lstStyle/>
           <a:p>
@@ -3206,11 +3542,19 @@
             </a:r>
             <a:r>
               <a:rPr lang="ko-KR" altLang="en-US" dirty="0" smtClean="0"/>
-              <a:t>변화가 모든 방향으로 생길 때 </a:t>
+              <a:t>변화가 모든 방향으로 생길 </a:t>
+            </a:r>
+            <a:r>
+              <a:rPr lang="ko-KR" altLang="en-US" dirty="0" smtClean="0"/>
+              <a:t>때</a:t>
+            </a:r>
+            <a:r>
+              <a:rPr lang="ko-KR" altLang="en-US" dirty="0" smtClean="0"/>
+              <a:t>가 </a:t>
             </a:r>
             <a:r>
               <a:rPr lang="en-US" altLang="ko-KR" dirty="0" smtClean="0"/>
-              <a:t>!</a:t>
+              <a:t>corner</a:t>
             </a:r>
             <a:endParaRPr lang="ko-KR" altLang="en-US" dirty="0"/>
           </a:p>
@@ -3224,7 +3568,7 @@
         </p:nvSpPr>
         <p:spPr>
           <a:xfrm>
-            <a:off x="3347864" y="4869160"/>
+            <a:off x="1115616" y="4834100"/>
             <a:ext cx="4572000" cy="492443"/>
           </a:xfrm>
           <a:prstGeom prst="rect">
@@ -3271,6 +3615,40 @@
           <a:noFill/>
         </p:spPr>
       </p:pic>
+      <p:sp>
+        <p:nvSpPr>
+          <p:cNvPr id="3" name="TextBox 2"/>
+          <p:cNvSpPr txBox="1"/>
+          <p:nvPr/>
+        </p:nvSpPr>
+        <p:spPr>
+          <a:xfrm>
+            <a:off x="5687616" y="4875460"/>
+            <a:ext cx="2480359" cy="292388"/>
+          </a:xfrm>
+          <a:prstGeom prst="rect">
+            <a:avLst/>
+          </a:prstGeom>
+          <a:noFill/>
+        </p:spPr>
+        <p:txBody>
+          <a:bodyPr wrap="none" rtlCol="0">
+            <a:spAutoFit/>
+          </a:bodyPr>
+          <a:lstStyle/>
+          <a:p>
+            <a:r>
+              <a:rPr lang="en-US" altLang="ko-KR" sz="1300" dirty="0" smtClean="0"/>
+              <a:t>Note) gradient</a:t>
+            </a:r>
+            <a:r>
+              <a:rPr lang="ko-KR" altLang="en-US" sz="1300" dirty="0" smtClean="0"/>
+              <a:t>를 보고 있는 것</a:t>
+            </a:r>
+            <a:endParaRPr lang="ko-KR" altLang="en-US" sz="1300" dirty="0"/>
+          </a:p>
+        </p:txBody>
+      </p:sp>
     </p:spTree>
   </p:cSld>
   <p:clrMapOvr>
@@ -3312,122 +3690,418 @@
           <a:lstStyle/>
           <a:p>
             <a:r>
-              <a:rPr lang="ko-KR" altLang="en-US" dirty="0" smtClean="0"/>
-              <a:t>구현</a:t>
+              <a:rPr lang="en-US" altLang="ko-KR" dirty="0" smtClean="0"/>
+              <a:t>process</a:t>
             </a:r>
             <a:endParaRPr lang="ko-KR" altLang="en-US" dirty="0"/>
-          </a:p>
-        </p:txBody>
-      </p:sp>
-      <p:sp>
-        <p:nvSpPr>
-          <p:cNvPr id="3" name="내용 개체 틀 2"/>
-          <p:cNvSpPr>
-            <a:spLocks noGrp="1"/>
-          </p:cNvSpPr>
-          <p:nvPr>
-            <p:ph idx="1"/>
-          </p:nvPr>
-        </p:nvSpPr>
-        <p:spPr>
-          <a:xfrm>
-            <a:off x="457200" y="2780928"/>
-            <a:ext cx="8229600" cy="3345235"/>
-          </a:xfrm>
-        </p:spPr>
-        <p:txBody>
-          <a:bodyPr>
-            <a:normAutofit fontScale="70000" lnSpcReduction="20000"/>
-          </a:bodyPr>
-          <a:lstStyle/>
-          <a:p>
-            <a:r>
-              <a:rPr lang="en-US" altLang="ko-KR" dirty="0" smtClean="0"/>
-              <a:t>E is the difference between the original and the moved window.</a:t>
-            </a:r>
-          </a:p>
-          <a:p>
-            <a:r>
-              <a:rPr lang="en-US" altLang="ko-KR" dirty="0" smtClean="0"/>
-              <a:t>u is the window's displacement in the x direction</a:t>
-            </a:r>
-          </a:p>
-          <a:p>
-            <a:r>
-              <a:rPr lang="en-US" altLang="ko-KR" dirty="0" smtClean="0"/>
-              <a:t>v is the window's displacement in the y direction</a:t>
-            </a:r>
-          </a:p>
-          <a:p>
-            <a:r>
-              <a:rPr lang="en-US" altLang="ko-KR" dirty="0" smtClean="0"/>
-              <a:t>w(x, y) is the window at position (x, y). This acts like a mask. Ensuring that only the desired window is used.</a:t>
-            </a:r>
-          </a:p>
-          <a:p>
-            <a:r>
-              <a:rPr lang="en-US" altLang="ko-KR" dirty="0" smtClean="0"/>
-              <a:t>I is the intensity of the image at a position (x, y)</a:t>
-            </a:r>
-          </a:p>
-          <a:p>
-            <a:r>
-              <a:rPr lang="en-US" altLang="ko-KR" dirty="0" smtClean="0"/>
-              <a:t>I(</a:t>
-            </a:r>
-            <a:r>
-              <a:rPr lang="en-US" altLang="ko-KR" dirty="0" err="1" smtClean="0"/>
-              <a:t>x+u</a:t>
-            </a:r>
-            <a:r>
-              <a:rPr lang="en-US" altLang="ko-KR" dirty="0" smtClean="0"/>
-              <a:t>, </a:t>
-            </a:r>
-            <a:r>
-              <a:rPr lang="en-US" altLang="ko-KR" dirty="0" err="1" smtClean="0"/>
-              <a:t>y+v</a:t>
-            </a:r>
-            <a:r>
-              <a:rPr lang="en-US" altLang="ko-KR" dirty="0" smtClean="0"/>
-              <a:t>) is the intensity of the moved window</a:t>
-            </a:r>
-          </a:p>
-          <a:p>
-            <a:r>
-              <a:rPr lang="en-US" altLang="ko-KR" dirty="0" smtClean="0"/>
-              <a:t>I(x, y) is the intensity of the original</a:t>
-            </a:r>
-            <a:endParaRPr lang="en-US" altLang="ko-KR" dirty="0"/>
           </a:p>
         </p:txBody>
       </p:sp>
       <p:pic>
         <p:nvPicPr>
-          <p:cNvPr id="15362" name="Picture 2" descr="http://aishack.in/static/img/tut/harris-equation1.jpg"/>
+          <p:cNvPr id="5" name="그림 4"/>
           <p:cNvPicPr>
-            <a:picLocks noChangeAspect="1" noChangeArrowheads="1"/>
+            <a:picLocks noChangeAspect="1"/>
           </p:cNvPicPr>
           <p:nvPr/>
         </p:nvPicPr>
-        <p:blipFill>
-          <a:blip r:embed="rId2" cstate="print"/>
-          <a:srcRect/>
-          <a:stretch>
-            <a:fillRect/>
-          </a:stretch>
+        <p:blipFill rotWithShape="1">
+          <a:blip r:embed="rId2"/>
+          <a:srcRect r="48550"/>
+          <a:stretch/>
         </p:blipFill>
-        <p:spPr bwMode="auto">
-          <a:xfrm>
-            <a:off x="1619672" y="1700808"/>
-            <a:ext cx="5708690" cy="864096"/>
+        <p:spPr>
+          <a:xfrm>
+            <a:off x="35992" y="1663215"/>
+            <a:ext cx="2248993" cy="2782490"/>
+          </a:xfrm>
+          <a:prstGeom prst="rect">
+            <a:avLst/>
+          </a:prstGeom>
+        </p:spPr>
+      </p:pic>
+      <p:pic>
+        <p:nvPicPr>
+          <p:cNvPr id="6" name="그림 5"/>
+          <p:cNvPicPr>
+            <a:picLocks noChangeAspect="1"/>
+          </p:cNvPicPr>
+          <p:nvPr/>
+        </p:nvPicPr>
+        <p:blipFill rotWithShape="1">
+          <a:blip r:embed="rId3"/>
+          <a:srcRect t="-337" r="50120"/>
+          <a:stretch/>
+        </p:blipFill>
+        <p:spPr>
+          <a:xfrm>
+            <a:off x="2294396" y="1663215"/>
+            <a:ext cx="2171389" cy="2845905"/>
+          </a:xfrm>
+          <a:prstGeom prst="rect">
+            <a:avLst/>
+          </a:prstGeom>
+        </p:spPr>
+      </p:pic>
+      <p:pic>
+        <p:nvPicPr>
+          <p:cNvPr id="7" name="그림 6"/>
+          <p:cNvPicPr>
+            <a:picLocks noChangeAspect="1"/>
+          </p:cNvPicPr>
+          <p:nvPr/>
+        </p:nvPicPr>
+        <p:blipFill rotWithShape="1">
+          <a:blip r:embed="rId4"/>
+          <a:srcRect t="-1299" r="47376"/>
+          <a:stretch/>
+        </p:blipFill>
+        <p:spPr>
+          <a:xfrm>
+            <a:off x="4470448" y="1663215"/>
+            <a:ext cx="2271976" cy="2845905"/>
+          </a:xfrm>
+          <a:prstGeom prst="rect">
+            <a:avLst/>
+          </a:prstGeom>
+        </p:spPr>
+      </p:pic>
+      <p:pic>
+        <p:nvPicPr>
+          <p:cNvPr id="8" name="그림 7"/>
+          <p:cNvPicPr>
+            <a:picLocks noChangeAspect="1"/>
+          </p:cNvPicPr>
+          <p:nvPr/>
+        </p:nvPicPr>
+        <p:blipFill rotWithShape="1">
+          <a:blip r:embed="rId5"/>
+          <a:srcRect t="94" r="48349" b="1"/>
+          <a:stretch/>
+        </p:blipFill>
+        <p:spPr>
+          <a:xfrm>
+            <a:off x="6753242" y="1663215"/>
+            <a:ext cx="2239244" cy="2815728"/>
+          </a:xfrm>
+          <a:prstGeom prst="rect">
+            <a:avLst/>
+          </a:prstGeom>
+        </p:spPr>
+      </p:pic>
+      <p:sp>
+        <p:nvSpPr>
+          <p:cNvPr id="9" name="TextBox 8"/>
+          <p:cNvSpPr txBox="1"/>
+          <p:nvPr/>
+        </p:nvSpPr>
+        <p:spPr>
+          <a:xfrm>
+            <a:off x="161466" y="1437973"/>
+            <a:ext cx="601447" cy="292388"/>
           </a:xfrm>
           <a:prstGeom prst="rect">
             <a:avLst/>
           </a:prstGeom>
           <a:noFill/>
         </p:spPr>
-      </p:pic>
+        <p:txBody>
+          <a:bodyPr wrap="none" rtlCol="0">
+            <a:spAutoFit/>
+          </a:bodyPr>
+          <a:lstStyle/>
+          <a:p>
+            <a:r>
+              <a:rPr lang="en-US" altLang="ko-KR" sz="1300" b="1" dirty="0" smtClean="0"/>
+              <a:t>input</a:t>
+            </a:r>
+            <a:endParaRPr lang="ko-KR" altLang="en-US" sz="1300" b="1" dirty="0"/>
+          </a:p>
+        </p:txBody>
+      </p:sp>
+      <p:sp>
+        <p:nvSpPr>
+          <p:cNvPr id="10" name="TextBox 9"/>
+          <p:cNvSpPr txBox="1"/>
+          <p:nvPr/>
+        </p:nvSpPr>
+        <p:spPr>
+          <a:xfrm>
+            <a:off x="4457835" y="1437973"/>
+            <a:ext cx="1225785" cy="292388"/>
+          </a:xfrm>
+          <a:prstGeom prst="rect">
+            <a:avLst/>
+          </a:prstGeom>
+          <a:noFill/>
+        </p:spPr>
+        <p:txBody>
+          <a:bodyPr wrap="none" rtlCol="0">
+            <a:spAutoFit/>
+          </a:bodyPr>
+          <a:lstStyle/>
+          <a:p>
+            <a:r>
+              <a:rPr lang="en-US" altLang="ko-KR" sz="1300" b="1" dirty="0" smtClean="0"/>
+              <a:t>R&gt; threshold</a:t>
+            </a:r>
+            <a:endParaRPr lang="ko-KR" altLang="en-US" sz="1300" b="1" dirty="0"/>
+          </a:p>
+        </p:txBody>
+      </p:sp>
+      <p:sp>
+        <p:nvSpPr>
+          <p:cNvPr id="11" name="TextBox 10"/>
+          <p:cNvSpPr txBox="1"/>
+          <p:nvPr/>
+        </p:nvSpPr>
+        <p:spPr>
+          <a:xfrm>
+            <a:off x="2283578" y="1437973"/>
+            <a:ext cx="1068819" cy="292388"/>
+          </a:xfrm>
+          <a:prstGeom prst="rect">
+            <a:avLst/>
+          </a:prstGeom>
+          <a:noFill/>
+        </p:spPr>
+        <p:txBody>
+          <a:bodyPr wrap="none" rtlCol="0">
+            <a:spAutoFit/>
+          </a:bodyPr>
+          <a:lstStyle/>
+          <a:p>
+            <a:r>
+              <a:rPr lang="en-US" altLang="ko-KR" sz="1300" b="1" dirty="0" smtClean="0"/>
+              <a:t>Calculate R</a:t>
+            </a:r>
+            <a:endParaRPr lang="ko-KR" altLang="en-US" sz="1300" b="1" dirty="0"/>
+          </a:p>
+        </p:txBody>
+      </p:sp>
+      <p:sp>
+        <p:nvSpPr>
+          <p:cNvPr id="12" name="TextBox 11"/>
+          <p:cNvSpPr txBox="1"/>
+          <p:nvPr/>
+        </p:nvSpPr>
+        <p:spPr>
+          <a:xfrm>
+            <a:off x="6678966" y="1437973"/>
+            <a:ext cx="2348720" cy="292388"/>
+          </a:xfrm>
+          <a:prstGeom prst="rect">
+            <a:avLst/>
+          </a:prstGeom>
+          <a:noFill/>
+        </p:spPr>
+        <p:txBody>
+          <a:bodyPr wrap="none" rtlCol="0">
+            <a:spAutoFit/>
+          </a:bodyPr>
+          <a:lstStyle/>
+          <a:p>
+            <a:r>
+              <a:rPr lang="en-US" altLang="ko-KR" sz="1300" b="1" dirty="0" smtClean="0"/>
+              <a:t>Local maximum (optional?)</a:t>
+            </a:r>
+            <a:endParaRPr lang="ko-KR" altLang="en-US" sz="1300" b="1" dirty="0"/>
+          </a:p>
+        </p:txBody>
+      </p:sp>
+      <p:sp>
+        <p:nvSpPr>
+          <p:cNvPr id="13" name="TextBox 12"/>
+          <p:cNvSpPr txBox="1"/>
+          <p:nvPr/>
+        </p:nvSpPr>
+        <p:spPr>
+          <a:xfrm>
+            <a:off x="1160488" y="4869160"/>
+            <a:ext cx="986167" cy="646331"/>
+          </a:xfrm>
+          <a:prstGeom prst="rect">
+            <a:avLst/>
+          </a:prstGeom>
+          <a:noFill/>
+        </p:spPr>
+        <p:txBody>
+          <a:bodyPr wrap="none" rtlCol="0">
+            <a:spAutoFit/>
+          </a:bodyPr>
+          <a:lstStyle/>
+          <a:p>
+            <a:r>
+              <a:rPr lang="en-US" altLang="ko-KR" dirty="0" smtClean="0"/>
+              <a:t>Sobel X</a:t>
+            </a:r>
+          </a:p>
+          <a:p>
+            <a:r>
+              <a:rPr lang="en-US" altLang="ko-KR" dirty="0" smtClean="0"/>
+              <a:t>Sobel Y</a:t>
+            </a:r>
+            <a:endParaRPr lang="ko-KR" altLang="en-US" dirty="0"/>
+          </a:p>
+        </p:txBody>
+      </p:sp>
+      <p:cxnSp>
+        <p:nvCxnSpPr>
+          <p:cNvPr id="15" name="직선 화살표 연결선 14"/>
+          <p:cNvCxnSpPr>
+            <a:endCxn id="13" idx="1"/>
+          </p:cNvCxnSpPr>
+          <p:nvPr/>
+        </p:nvCxnSpPr>
+        <p:spPr>
+          <a:xfrm>
+            <a:off x="683568" y="4509120"/>
+            <a:ext cx="476920" cy="683206"/>
+          </a:xfrm>
+          <a:prstGeom prst="straightConnector1">
+            <a:avLst/>
+          </a:prstGeom>
+          <a:ln>
+            <a:tailEnd type="triangle"/>
+          </a:ln>
+        </p:spPr>
+        <p:style>
+          <a:lnRef idx="1">
+            <a:schemeClr val="accent1"/>
+          </a:lnRef>
+          <a:fillRef idx="0">
+            <a:schemeClr val="accent1"/>
+          </a:fillRef>
+          <a:effectRef idx="0">
+            <a:schemeClr val="accent1"/>
+          </a:effectRef>
+          <a:fontRef idx="minor">
+            <a:schemeClr val="tx1"/>
+          </a:fontRef>
+        </p:style>
+      </p:cxnSp>
+      <p:cxnSp>
+        <p:nvCxnSpPr>
+          <p:cNvPr id="16" name="직선 화살표 연결선 15"/>
+          <p:cNvCxnSpPr/>
+          <p:nvPr/>
+        </p:nvCxnSpPr>
+        <p:spPr>
+          <a:xfrm>
+            <a:off x="2055936" y="5173888"/>
+            <a:ext cx="355824" cy="18437"/>
+          </a:xfrm>
+          <a:prstGeom prst="straightConnector1">
+            <a:avLst/>
+          </a:prstGeom>
+          <a:ln>
+            <a:tailEnd type="triangle"/>
+          </a:ln>
+        </p:spPr>
+        <p:style>
+          <a:lnRef idx="1">
+            <a:schemeClr val="accent1"/>
+          </a:lnRef>
+          <a:fillRef idx="0">
+            <a:schemeClr val="accent1"/>
+          </a:fillRef>
+          <a:effectRef idx="0">
+            <a:schemeClr val="accent1"/>
+          </a:effectRef>
+          <a:fontRef idx="minor">
+            <a:schemeClr val="tx1"/>
+          </a:fontRef>
+        </p:style>
+      </p:cxnSp>
+      <p:sp>
+        <p:nvSpPr>
+          <p:cNvPr id="18" name="TextBox 17"/>
+          <p:cNvSpPr txBox="1"/>
+          <p:nvPr/>
+        </p:nvSpPr>
+        <p:spPr>
+          <a:xfrm>
+            <a:off x="2393287" y="5007659"/>
+            <a:ext cx="3662862" cy="369332"/>
+          </a:xfrm>
+          <a:prstGeom prst="rect">
+            <a:avLst/>
+          </a:prstGeom>
+          <a:noFill/>
+        </p:spPr>
+        <p:txBody>
+          <a:bodyPr wrap="none" rtlCol="0">
+            <a:spAutoFit/>
+          </a:bodyPr>
+          <a:lstStyle/>
+          <a:p>
+            <a:r>
+              <a:rPr lang="en-US" altLang="ko-KR" dirty="0" smtClean="0"/>
+              <a:t>R</a:t>
+            </a:r>
+            <a:r>
+              <a:rPr lang="ko-KR" altLang="en-US" dirty="0" smtClean="0"/>
+              <a:t>계산</a:t>
+            </a:r>
+            <a:r>
+              <a:rPr lang="en-US" altLang="ko-KR" dirty="0" smtClean="0"/>
+              <a:t>(intensity </a:t>
+            </a:r>
+            <a:r>
+              <a:rPr lang="ko-KR" altLang="en-US" dirty="0" err="1" smtClean="0"/>
+              <a:t>변화량을</a:t>
+            </a:r>
+            <a:r>
+              <a:rPr lang="ko-KR" altLang="en-US" dirty="0" smtClean="0"/>
+              <a:t> 수치화</a:t>
+            </a:r>
+            <a:r>
+              <a:rPr lang="en-US" altLang="ko-KR" dirty="0" smtClean="0"/>
+              <a:t>)</a:t>
+            </a:r>
+            <a:endParaRPr lang="ko-KR" altLang="en-US" dirty="0"/>
+          </a:p>
+        </p:txBody>
+      </p:sp>
+      <p:cxnSp>
+        <p:nvCxnSpPr>
+          <p:cNvPr id="17" name="직선 화살표 연결선 16"/>
+          <p:cNvCxnSpPr/>
+          <p:nvPr/>
+        </p:nvCxnSpPr>
+        <p:spPr>
+          <a:xfrm flipH="1" flipV="1">
+            <a:off x="3491880" y="4509120"/>
+            <a:ext cx="72008" cy="498539"/>
+          </a:xfrm>
+          <a:prstGeom prst="straightConnector1">
+            <a:avLst/>
+          </a:prstGeom>
+          <a:ln>
+            <a:tailEnd type="triangle"/>
+          </a:ln>
+        </p:spPr>
+        <p:style>
+          <a:lnRef idx="1">
+            <a:schemeClr val="accent1"/>
+          </a:lnRef>
+          <a:fillRef idx="0">
+            <a:schemeClr val="accent1"/>
+          </a:fillRef>
+          <a:effectRef idx="0">
+            <a:schemeClr val="accent1"/>
+          </a:effectRef>
+          <a:fontRef idx="minor">
+            <a:schemeClr val="tx1"/>
+          </a:fontRef>
+        </p:style>
+      </p:cxnSp>
     </p:spTree>
+    <p:extLst>
+      <p:ext uri="{BB962C8B-B14F-4D97-AF65-F5344CB8AC3E}">
+        <p14:creationId xmlns:p14="http://schemas.microsoft.com/office/powerpoint/2010/main" val="192361726"/>
+      </p:ext>
+    </p:extLst>
   </p:cSld>
   <p:clrMapOvr>
     <a:masterClrMapping/>
@@ -3468,39 +4142,98 @@
           <a:lstStyle/>
           <a:p>
             <a:r>
-              <a:rPr lang="ko-KR" altLang="en-US" dirty="0" err="1" smtClean="0"/>
-              <a:t>간략화</a:t>
-            </a:r>
+              <a:rPr lang="ko-KR" altLang="en-US" dirty="0" smtClean="0"/>
+              <a:t>구현</a:t>
+            </a:r>
+            <a:endParaRPr lang="ko-KR" altLang="en-US" dirty="0"/>
+          </a:p>
+        </p:txBody>
+      </p:sp>
+      <p:sp>
+        <p:nvSpPr>
+          <p:cNvPr id="3" name="내용 개체 틀 2"/>
+          <p:cNvSpPr>
+            <a:spLocks noGrp="1"/>
+          </p:cNvSpPr>
+          <p:nvPr>
+            <p:ph idx="1"/>
+          </p:nvPr>
+        </p:nvSpPr>
+        <p:spPr>
+          <a:xfrm>
+            <a:off x="457200" y="2780928"/>
+            <a:ext cx="8229600" cy="3345235"/>
+          </a:xfrm>
+        </p:spPr>
+        <p:txBody>
+          <a:bodyPr>
+            <a:normAutofit fontScale="70000" lnSpcReduction="20000"/>
+          </a:bodyPr>
+          <a:lstStyle/>
+          <a:p>
             <a:r>
               <a:rPr lang="en-US" altLang="ko-KR" dirty="0" smtClean="0"/>
-              <a:t>?</a:t>
-            </a:r>
-            <a:endParaRPr lang="ko-KR" altLang="en-US" dirty="0"/>
-          </a:p>
-        </p:txBody>
-      </p:sp>
-      <p:sp>
-        <p:nvSpPr>
-          <p:cNvPr id="3" name="내용 개체 틀 2"/>
-          <p:cNvSpPr>
-            <a:spLocks noGrp="1"/>
-          </p:cNvSpPr>
-          <p:nvPr>
-            <p:ph idx="1"/>
-          </p:nvPr>
-        </p:nvSpPr>
-        <p:spPr/>
-        <p:txBody>
-          <a:bodyPr/>
-          <a:lstStyle/>
-          <a:p>
-            <a:endParaRPr lang="ko-KR" altLang="en-US" dirty="0"/>
+              <a:t>E is the difference between the original and the moved window.</a:t>
+            </a:r>
+          </a:p>
+          <a:p>
+            <a:r>
+              <a:rPr lang="en-US" altLang="ko-KR" dirty="0" smtClean="0"/>
+              <a:t>u is the window's displacement in the x direction</a:t>
+            </a:r>
+          </a:p>
+          <a:p>
+            <a:r>
+              <a:rPr lang="en-US" altLang="ko-KR" dirty="0" smtClean="0"/>
+              <a:t>v is the window's displacement in the y direction</a:t>
+            </a:r>
+          </a:p>
+          <a:p>
+            <a:r>
+              <a:rPr lang="en-US" altLang="ko-KR" dirty="0" smtClean="0"/>
+              <a:t>w(x, y) is the window at position (x, y). This acts like a mask. Ensuring that only the desired window is used.</a:t>
+            </a:r>
+          </a:p>
+          <a:p>
+            <a:r>
+              <a:rPr lang="en-US" altLang="ko-KR" dirty="0" smtClean="0"/>
+              <a:t>I is the intensity of the image at a position (x, y)</a:t>
+            </a:r>
+          </a:p>
+          <a:p>
+            <a:r>
+              <a:rPr lang="en-US" altLang="ko-KR" dirty="0" smtClean="0"/>
+              <a:t>I(</a:t>
+            </a:r>
+            <a:r>
+              <a:rPr lang="en-US" altLang="ko-KR" dirty="0" err="1" smtClean="0"/>
+              <a:t>x+u</a:t>
+            </a:r>
+            <a:r>
+              <a:rPr lang="en-US" altLang="ko-KR" dirty="0" smtClean="0"/>
+              <a:t>, </a:t>
+            </a:r>
+            <a:r>
+              <a:rPr lang="en-US" altLang="ko-KR" dirty="0" err="1" smtClean="0"/>
+              <a:t>y+v</a:t>
+            </a:r>
+            <a:r>
+              <a:rPr lang="en-US" altLang="ko-KR" dirty="0" smtClean="0"/>
+              <a:t>) is the intensity of the moved window</a:t>
+            </a:r>
+          </a:p>
+          <a:p>
+            <a:r>
+              <a:rPr lang="en-US" altLang="ko-KR" dirty="0" smtClean="0"/>
+              <a:t>I(x, y) is the intensity of the original</a:t>
+            </a:r>
+            <a:endParaRPr lang="en-US" altLang="ko-KR" dirty="0"/>
           </a:p>
         </p:txBody>
       </p:sp>
       <p:pic>
         <p:nvPicPr>
-          <p:cNvPr id="16386" name="Picture 2" descr="http://aishack.in/static/img/tut/harris-equation2.jpg"/>
+          <p:cNvPr id="15362" name="Picture 2" descr="http://aishack.in/static/img/tut/harris-equation1.jpg"/>
           <p:cNvPicPr>
             <a:picLocks noChangeAspect="1" noChangeArrowheads="1"/>
           </p:cNvPicPr>
@@ -3515,138 +4248,8 @@
         </p:blipFill>
         <p:spPr bwMode="auto">
           <a:xfrm>
-            <a:off x="1547664" y="2204864"/>
-            <a:ext cx="2495550" cy="609600"/>
-          </a:xfrm>
-          <a:prstGeom prst="rect">
-            <a:avLst/>
-          </a:prstGeom>
-          <a:noFill/>
-        </p:spPr>
-      </p:pic>
-      <p:pic>
-        <p:nvPicPr>
-          <p:cNvPr id="16388" name="Picture 4" descr="http://aishack.in/static/img/tut/harris-equation3.jpg"/>
-          <p:cNvPicPr>
-            <a:picLocks noChangeAspect="1" noChangeArrowheads="1"/>
-          </p:cNvPicPr>
-          <p:nvPr/>
-        </p:nvPicPr>
-        <p:blipFill>
-          <a:blip r:embed="rId3" cstate="print"/>
-          <a:srcRect/>
-          <a:stretch>
-            <a:fillRect/>
-          </a:stretch>
-        </p:blipFill>
-        <p:spPr bwMode="auto">
-          <a:xfrm>
-            <a:off x="1403648" y="2996952"/>
-            <a:ext cx="3505200" cy="619126"/>
-          </a:xfrm>
-          <a:prstGeom prst="rect">
-            <a:avLst/>
-          </a:prstGeom>
-          <a:noFill/>
-        </p:spPr>
-      </p:pic>
-      <p:pic>
-        <p:nvPicPr>
-          <p:cNvPr id="16390" name="Picture 6" descr="http://aishack.in/static/img/tut/harris-equation4.jpg"/>
-          <p:cNvPicPr>
-            <a:picLocks noChangeAspect="1" noChangeArrowheads="1"/>
-          </p:cNvPicPr>
-          <p:nvPr/>
-        </p:nvPicPr>
-        <p:blipFill>
-          <a:blip r:embed="rId4" cstate="print"/>
-          <a:srcRect/>
-          <a:stretch>
-            <a:fillRect/>
-          </a:stretch>
-        </p:blipFill>
-        <p:spPr bwMode="auto">
-          <a:xfrm>
-            <a:off x="1475656" y="3717032"/>
-            <a:ext cx="3038475" cy="571501"/>
-          </a:xfrm>
-          <a:prstGeom prst="rect">
-            <a:avLst/>
-          </a:prstGeom>
-          <a:noFill/>
-        </p:spPr>
-      </p:pic>
-      <p:pic>
-        <p:nvPicPr>
-          <p:cNvPr id="16392" name="Picture 8" descr="http://aishack.in/static/img/tut/harris-equation5.jpg"/>
-          <p:cNvPicPr>
-            <a:picLocks noChangeAspect="1" noChangeArrowheads="1"/>
-          </p:cNvPicPr>
-          <p:nvPr/>
-        </p:nvPicPr>
-        <p:blipFill>
-          <a:blip r:embed="rId5" cstate="print"/>
-          <a:srcRect/>
-          <a:stretch>
-            <a:fillRect/>
-          </a:stretch>
-        </p:blipFill>
-        <p:spPr bwMode="auto">
-          <a:xfrm>
-            <a:off x="1547664" y="4437112"/>
-            <a:ext cx="3200400" cy="676276"/>
-          </a:xfrm>
-          <a:prstGeom prst="rect">
-            <a:avLst/>
-          </a:prstGeom>
-          <a:noFill/>
-        </p:spPr>
-      </p:pic>
-      <p:pic>
-        <p:nvPicPr>
-          <p:cNvPr id="16394" name="Picture 10" descr="http://aishack.in/static/img/tut/harris-equation6.jpg"/>
-          <p:cNvPicPr>
-            <a:picLocks noChangeAspect="1" noChangeArrowheads="1"/>
-          </p:cNvPicPr>
-          <p:nvPr/>
-        </p:nvPicPr>
-        <p:blipFill>
-          <a:blip r:embed="rId6" cstate="print"/>
-          <a:srcRect/>
-          <a:stretch>
-            <a:fillRect/>
-          </a:stretch>
-        </p:blipFill>
-        <p:spPr bwMode="auto">
-          <a:xfrm>
-            <a:off x="1619672" y="5229200"/>
-            <a:ext cx="2276475" cy="647700"/>
-          </a:xfrm>
-          <a:prstGeom prst="rect">
-            <a:avLst/>
-          </a:prstGeom>
-          <a:noFill/>
-        </p:spPr>
-      </p:pic>
-      <p:pic>
-        <p:nvPicPr>
-          <p:cNvPr id="16396" name="Picture 12" descr="http://aishack.in/static/img/tut/harris-equation8.jpg"/>
-          <p:cNvPicPr>
-            <a:picLocks noChangeAspect="1" noChangeArrowheads="1"/>
-          </p:cNvPicPr>
-          <p:nvPr/>
-        </p:nvPicPr>
-        <p:blipFill>
-          <a:blip r:embed="rId7" cstate="print"/>
-          <a:srcRect/>
-          <a:stretch>
-            <a:fillRect/>
-          </a:stretch>
-        </p:blipFill>
-        <p:spPr bwMode="auto">
-          <a:xfrm>
-            <a:off x="6228184" y="4365104"/>
-            <a:ext cx="2219325" cy="1257301"/>
+            <a:off x="1619672" y="1700808"/>
+            <a:ext cx="5708690" cy="864096"/>
           </a:xfrm>
           <a:prstGeom prst="rect">
             <a:avLst/>
@@ -3694,13 +4297,21 @@
           <a:bodyPr/>
           <a:lstStyle/>
           <a:p>
+            <a:r>
+              <a:rPr lang="ko-KR" altLang="en-US" dirty="0" smtClean="0"/>
+              <a:t>수식 설명</a:t>
+            </a:r>
+            <a:r>
+              <a:rPr lang="en-US" altLang="ko-KR" dirty="0"/>
+              <a:t>?</a:t>
+            </a:r>
             <a:endParaRPr lang="ko-KR" altLang="en-US" dirty="0"/>
           </a:p>
         </p:txBody>
       </p:sp>
       <p:sp>
         <p:nvSpPr>
-          <p:cNvPr id="3" name="내용 개체 틀 2"/>
+          <p:cNvPr id="4" name="내용 개체 틀 3"/>
           <p:cNvSpPr>
             <a:spLocks noGrp="1"/>
           </p:cNvSpPr>
@@ -3708,42 +4319,749 @@
             <p:ph idx="1"/>
           </p:nvPr>
         </p:nvSpPr>
-        <p:spPr/>
-        <p:txBody>
-          <a:bodyPr/>
-          <a:lstStyle/>
-          <a:p>
+        <p:spPr>
+          <a:xfrm>
+            <a:off x="457200" y="5124325"/>
+            <a:ext cx="8229600" cy="1040979"/>
+          </a:xfrm>
+        </p:spPr>
+        <p:txBody>
+          <a:bodyPr/>
+          <a:lstStyle/>
+          <a:p>
+            <a:r>
+              <a:rPr lang="en-US" altLang="ko-KR" dirty="0" smtClean="0"/>
+              <a:t>I(x, y)</a:t>
+            </a:r>
+            <a:r>
+              <a:rPr lang="ko-KR" altLang="en-US" dirty="0" smtClean="0"/>
+              <a:t>를 전체 </a:t>
+            </a:r>
+            <a:r>
+              <a:rPr lang="en-US" altLang="ko-KR" dirty="0" smtClean="0"/>
+              <a:t>image</a:t>
+            </a:r>
+            <a:r>
+              <a:rPr lang="ko-KR" altLang="en-US" dirty="0" smtClean="0"/>
+              <a:t>로 생각해야</a:t>
+            </a:r>
+            <a:r>
+              <a:rPr lang="en-US" altLang="ko-KR" dirty="0" smtClean="0"/>
+              <a:t>. </a:t>
+            </a:r>
             <a:endParaRPr lang="ko-KR" altLang="en-US" dirty="0"/>
           </a:p>
         </p:txBody>
       </p:sp>
-      <p:pic>
-        <p:nvPicPr>
-          <p:cNvPr id="17410" name="Picture 2" descr="Classification of Image Points"/>
-          <p:cNvPicPr>
-            <a:picLocks noChangeAspect="1" noChangeArrowheads="1"/>
-          </p:cNvPicPr>
+      <p:grpSp>
+        <p:nvGrpSpPr>
+          <p:cNvPr id="7" name="그룹 6"/>
+          <p:cNvGrpSpPr/>
           <p:nvPr/>
-        </p:nvPicPr>
-        <p:blipFill>
-          <a:blip r:embed="rId2" cstate="print"/>
-          <a:srcRect/>
-          <a:stretch>
-            <a:fillRect/>
-          </a:stretch>
-        </p:blipFill>
-        <p:spPr bwMode="auto">
-          <a:xfrm>
-            <a:off x="1979712" y="1484784"/>
-            <a:ext cx="4114800" cy="3962401"/>
+        </p:nvGrpSpPr>
+        <p:grpSpPr>
+          <a:xfrm>
+            <a:off x="683568" y="1844824"/>
+            <a:ext cx="1944216" cy="1800200"/>
+            <a:chOff x="683568" y="1844824"/>
+            <a:chExt cx="1944216" cy="1800200"/>
+          </a:xfrm>
+        </p:grpSpPr>
+        <p:sp>
+          <p:nvSpPr>
+            <p:cNvPr id="5" name="직사각형 4"/>
+            <p:cNvSpPr/>
+            <p:nvPr/>
+          </p:nvSpPr>
+          <p:spPr>
+            <a:xfrm>
+              <a:off x="683568" y="1844824"/>
+              <a:ext cx="1944216" cy="1800200"/>
+            </a:xfrm>
+            <a:prstGeom prst="rect">
+              <a:avLst/>
+            </a:prstGeom>
+            <a:noFill/>
+            <a:ln>
+              <a:solidFill>
+                <a:schemeClr val="tx1"/>
+              </a:solidFill>
+            </a:ln>
+          </p:spPr>
+          <p:style>
+            <a:lnRef idx="2">
+              <a:schemeClr val="accent1">
+                <a:shade val="50000"/>
+              </a:schemeClr>
+            </a:lnRef>
+            <a:fillRef idx="1">
+              <a:schemeClr val="accent1"/>
+            </a:fillRef>
+            <a:effectRef idx="0">
+              <a:schemeClr val="accent1"/>
+            </a:effectRef>
+            <a:fontRef idx="minor">
+              <a:schemeClr val="lt1"/>
+            </a:fontRef>
+          </p:style>
+          <p:txBody>
+            <a:bodyPr rtlCol="0" anchor="ctr"/>
+            <a:lstStyle/>
+            <a:p>
+              <a:pPr algn="ctr"/>
+              <a:endParaRPr lang="ko-KR" altLang="en-US"/>
+            </a:p>
+          </p:txBody>
+        </p:sp>
+        <p:sp>
+          <p:nvSpPr>
+            <p:cNvPr id="6" name="직사각형 5"/>
+            <p:cNvSpPr/>
+            <p:nvPr/>
+          </p:nvSpPr>
+          <p:spPr>
+            <a:xfrm>
+              <a:off x="683568" y="1844824"/>
+              <a:ext cx="1008112" cy="864096"/>
+            </a:xfrm>
+            <a:prstGeom prst="rect">
+              <a:avLst/>
+            </a:prstGeom>
+            <a:solidFill>
+              <a:schemeClr val="tx1">
+                <a:alpha val="50000"/>
+              </a:schemeClr>
+            </a:solidFill>
+            <a:ln>
+              <a:noFill/>
+            </a:ln>
+          </p:spPr>
+          <p:style>
+            <a:lnRef idx="2">
+              <a:schemeClr val="accent1">
+                <a:shade val="50000"/>
+              </a:schemeClr>
+            </a:lnRef>
+            <a:fillRef idx="1">
+              <a:schemeClr val="accent1"/>
+            </a:fillRef>
+            <a:effectRef idx="0">
+              <a:schemeClr val="accent1"/>
+            </a:effectRef>
+            <a:fontRef idx="minor">
+              <a:schemeClr val="lt1"/>
+            </a:fontRef>
+          </p:style>
+          <p:txBody>
+            <a:bodyPr rtlCol="0" anchor="ctr"/>
+            <a:lstStyle/>
+            <a:p>
+              <a:pPr algn="ctr"/>
+              <a:endParaRPr lang="ko-KR" altLang="en-US"/>
+            </a:p>
+          </p:txBody>
+        </p:sp>
+      </p:grpSp>
+      <p:sp>
+        <p:nvSpPr>
+          <p:cNvPr id="8" name="TextBox 7"/>
+          <p:cNvSpPr txBox="1"/>
+          <p:nvPr/>
+        </p:nvSpPr>
+        <p:spPr>
+          <a:xfrm>
+            <a:off x="658066" y="1423510"/>
+            <a:ext cx="1646605" cy="369332"/>
           </a:xfrm>
           <a:prstGeom prst="rect">
             <a:avLst/>
           </a:prstGeom>
           <a:noFill/>
         </p:spPr>
-      </p:pic>
+        <p:txBody>
+          <a:bodyPr wrap="none" rtlCol="0">
+            <a:spAutoFit/>
+          </a:bodyPr>
+          <a:lstStyle/>
+          <a:p>
+            <a:r>
+              <a:rPr lang="en-US" altLang="ko-KR" dirty="0" smtClean="0"/>
+              <a:t>I(</a:t>
+            </a:r>
+            <a:r>
+              <a:rPr lang="en-US" altLang="ko-KR" dirty="0" err="1" smtClean="0"/>
+              <a:t>x,y</a:t>
+            </a:r>
+            <a:r>
+              <a:rPr lang="en-US" altLang="ko-KR" dirty="0" smtClean="0"/>
+              <a:t>), I(</a:t>
+            </a:r>
+            <a:r>
+              <a:rPr lang="en-US" altLang="ko-KR" dirty="0" err="1" smtClean="0"/>
+              <a:t>x+u</a:t>
+            </a:r>
+            <a:r>
+              <a:rPr lang="en-US" altLang="ko-KR" dirty="0" smtClean="0"/>
+              <a:t>, y)</a:t>
+            </a:r>
+            <a:endParaRPr lang="ko-KR" altLang="en-US" dirty="0"/>
+          </a:p>
+        </p:txBody>
+      </p:sp>
+      <p:grpSp>
+        <p:nvGrpSpPr>
+          <p:cNvPr id="9" name="그룹 8"/>
+          <p:cNvGrpSpPr/>
+          <p:nvPr/>
+        </p:nvGrpSpPr>
+        <p:grpSpPr>
+          <a:xfrm>
+            <a:off x="1013947" y="1838952"/>
+            <a:ext cx="1944216" cy="1800200"/>
+            <a:chOff x="683568" y="1844824"/>
+            <a:chExt cx="1944216" cy="1800200"/>
+          </a:xfrm>
+        </p:grpSpPr>
+        <p:sp>
+          <p:nvSpPr>
+            <p:cNvPr id="10" name="직사각형 9"/>
+            <p:cNvSpPr/>
+            <p:nvPr/>
+          </p:nvSpPr>
+          <p:spPr>
+            <a:xfrm>
+              <a:off x="683568" y="1844824"/>
+              <a:ext cx="1944216" cy="1800200"/>
+            </a:xfrm>
+            <a:prstGeom prst="rect">
+              <a:avLst/>
+            </a:prstGeom>
+            <a:noFill/>
+            <a:ln>
+              <a:solidFill>
+                <a:schemeClr val="tx1"/>
+              </a:solidFill>
+            </a:ln>
+          </p:spPr>
+          <p:style>
+            <a:lnRef idx="2">
+              <a:schemeClr val="accent1">
+                <a:shade val="50000"/>
+              </a:schemeClr>
+            </a:lnRef>
+            <a:fillRef idx="1">
+              <a:schemeClr val="accent1"/>
+            </a:fillRef>
+            <a:effectRef idx="0">
+              <a:schemeClr val="accent1"/>
+            </a:effectRef>
+            <a:fontRef idx="minor">
+              <a:schemeClr val="lt1"/>
+            </a:fontRef>
+          </p:style>
+          <p:txBody>
+            <a:bodyPr rtlCol="0" anchor="ctr"/>
+            <a:lstStyle/>
+            <a:p>
+              <a:pPr algn="ctr"/>
+              <a:endParaRPr lang="ko-KR" altLang="en-US"/>
+            </a:p>
+          </p:txBody>
+        </p:sp>
+        <p:sp>
+          <p:nvSpPr>
+            <p:cNvPr id="11" name="직사각형 10"/>
+            <p:cNvSpPr/>
+            <p:nvPr/>
+          </p:nvSpPr>
+          <p:spPr>
+            <a:xfrm>
+              <a:off x="683568" y="1844824"/>
+              <a:ext cx="1008112" cy="864096"/>
+            </a:xfrm>
+            <a:prstGeom prst="rect">
+              <a:avLst/>
+            </a:prstGeom>
+            <a:solidFill>
+              <a:schemeClr val="tx1">
+                <a:alpha val="50000"/>
+              </a:schemeClr>
+            </a:solidFill>
+            <a:ln>
+              <a:noFill/>
+            </a:ln>
+          </p:spPr>
+          <p:style>
+            <a:lnRef idx="2">
+              <a:schemeClr val="accent1">
+                <a:shade val="50000"/>
+              </a:schemeClr>
+            </a:lnRef>
+            <a:fillRef idx="1">
+              <a:schemeClr val="accent1"/>
+            </a:fillRef>
+            <a:effectRef idx="0">
+              <a:schemeClr val="accent1"/>
+            </a:effectRef>
+            <a:fontRef idx="minor">
+              <a:schemeClr val="lt1"/>
+            </a:fontRef>
+          </p:style>
+          <p:txBody>
+            <a:bodyPr rtlCol="0" anchor="ctr"/>
+            <a:lstStyle/>
+            <a:p>
+              <a:pPr algn="ctr"/>
+              <a:endParaRPr lang="ko-KR" altLang="en-US"/>
+            </a:p>
+          </p:txBody>
+        </p:sp>
+      </p:grpSp>
+      <p:grpSp>
+        <p:nvGrpSpPr>
+          <p:cNvPr id="13" name="그룹 12"/>
+          <p:cNvGrpSpPr/>
+          <p:nvPr/>
+        </p:nvGrpSpPr>
+        <p:grpSpPr>
+          <a:xfrm>
+            <a:off x="3442981" y="1831505"/>
+            <a:ext cx="1944216" cy="1800200"/>
+            <a:chOff x="683568" y="1844824"/>
+            <a:chExt cx="1944216" cy="1800200"/>
+          </a:xfrm>
+        </p:grpSpPr>
+        <p:sp>
+          <p:nvSpPr>
+            <p:cNvPr id="14" name="직사각형 13"/>
+            <p:cNvSpPr/>
+            <p:nvPr/>
+          </p:nvSpPr>
+          <p:spPr>
+            <a:xfrm>
+              <a:off x="683568" y="1844824"/>
+              <a:ext cx="1944216" cy="1800200"/>
+            </a:xfrm>
+            <a:prstGeom prst="rect">
+              <a:avLst/>
+            </a:prstGeom>
+            <a:noFill/>
+            <a:ln>
+              <a:solidFill>
+                <a:schemeClr val="tx1"/>
+              </a:solidFill>
+            </a:ln>
+          </p:spPr>
+          <p:style>
+            <a:lnRef idx="2">
+              <a:schemeClr val="accent1">
+                <a:shade val="50000"/>
+              </a:schemeClr>
+            </a:lnRef>
+            <a:fillRef idx="1">
+              <a:schemeClr val="accent1"/>
+            </a:fillRef>
+            <a:effectRef idx="0">
+              <a:schemeClr val="accent1"/>
+            </a:effectRef>
+            <a:fontRef idx="minor">
+              <a:schemeClr val="lt1"/>
+            </a:fontRef>
+          </p:style>
+          <p:txBody>
+            <a:bodyPr rtlCol="0" anchor="ctr"/>
+            <a:lstStyle/>
+            <a:p>
+              <a:pPr algn="ctr"/>
+              <a:endParaRPr lang="ko-KR" altLang="en-US"/>
+            </a:p>
+          </p:txBody>
+        </p:sp>
+        <p:sp>
+          <p:nvSpPr>
+            <p:cNvPr id="15" name="직사각형 14"/>
+            <p:cNvSpPr/>
+            <p:nvPr/>
+          </p:nvSpPr>
+          <p:spPr>
+            <a:xfrm>
+              <a:off x="683568" y="1844824"/>
+              <a:ext cx="330379" cy="864096"/>
+            </a:xfrm>
+            <a:prstGeom prst="rect">
+              <a:avLst/>
+            </a:prstGeom>
+            <a:solidFill>
+              <a:schemeClr val="tx1">
+                <a:alpha val="50000"/>
+              </a:schemeClr>
+            </a:solidFill>
+            <a:ln>
+              <a:noFill/>
+            </a:ln>
+          </p:spPr>
+          <p:style>
+            <a:lnRef idx="2">
+              <a:schemeClr val="accent1">
+                <a:shade val="50000"/>
+              </a:schemeClr>
+            </a:lnRef>
+            <a:fillRef idx="1">
+              <a:schemeClr val="accent1"/>
+            </a:fillRef>
+            <a:effectRef idx="0">
+              <a:schemeClr val="accent1"/>
+            </a:effectRef>
+            <a:fontRef idx="minor">
+              <a:schemeClr val="lt1"/>
+            </a:fontRef>
+          </p:style>
+          <p:txBody>
+            <a:bodyPr rtlCol="0" anchor="ctr"/>
+            <a:lstStyle/>
+            <a:p>
+              <a:pPr algn="ctr"/>
+              <a:endParaRPr lang="ko-KR" altLang="en-US"/>
+            </a:p>
+          </p:txBody>
+        </p:sp>
+      </p:grpSp>
+      <p:sp>
+        <p:nvSpPr>
+          <p:cNvPr id="20" name="TextBox 19"/>
+          <p:cNvSpPr txBox="1"/>
+          <p:nvPr/>
+        </p:nvSpPr>
+        <p:spPr>
+          <a:xfrm>
+            <a:off x="3442981" y="1412696"/>
+            <a:ext cx="1795684" cy="369332"/>
+          </a:xfrm>
+          <a:prstGeom prst="rect">
+            <a:avLst/>
+          </a:prstGeom>
+          <a:noFill/>
+        </p:spPr>
+        <p:txBody>
+          <a:bodyPr wrap="none" rtlCol="0">
+            <a:spAutoFit/>
+          </a:bodyPr>
+          <a:lstStyle/>
+          <a:p>
+            <a:r>
+              <a:rPr lang="en-US" altLang="ko-KR" dirty="0" smtClean="0"/>
+              <a:t>I(</a:t>
+            </a:r>
+            <a:r>
+              <a:rPr lang="en-US" altLang="ko-KR" dirty="0" err="1" smtClean="0"/>
+              <a:t>x+u,y</a:t>
+            </a:r>
+            <a:r>
+              <a:rPr lang="en-US" altLang="ko-KR" dirty="0" smtClean="0"/>
+              <a:t>) – I(x, y)</a:t>
+            </a:r>
+            <a:endParaRPr lang="ko-KR" altLang="en-US" dirty="0"/>
+          </a:p>
+        </p:txBody>
+      </p:sp>
+      <p:sp>
+        <p:nvSpPr>
+          <p:cNvPr id="21" name="직사각형 20"/>
+          <p:cNvSpPr/>
+          <p:nvPr/>
+        </p:nvSpPr>
+        <p:spPr>
+          <a:xfrm>
+            <a:off x="4349901" y="1831505"/>
+            <a:ext cx="330379" cy="864096"/>
+          </a:xfrm>
+          <a:prstGeom prst="rect">
+            <a:avLst/>
+          </a:prstGeom>
+          <a:solidFill>
+            <a:schemeClr val="tx1">
+              <a:alpha val="50000"/>
+            </a:schemeClr>
+          </a:solidFill>
+          <a:ln>
+            <a:noFill/>
+          </a:ln>
+        </p:spPr>
+        <p:style>
+          <a:lnRef idx="2">
+            <a:schemeClr val="accent1">
+              <a:shade val="50000"/>
+            </a:schemeClr>
+          </a:lnRef>
+          <a:fillRef idx="1">
+            <a:schemeClr val="accent1"/>
+          </a:fillRef>
+          <a:effectRef idx="0">
+            <a:schemeClr val="accent1"/>
+          </a:effectRef>
+          <a:fontRef idx="minor">
+            <a:schemeClr val="lt1"/>
+          </a:fontRef>
+        </p:style>
+        <p:txBody>
+          <a:bodyPr rtlCol="0" anchor="ctr"/>
+          <a:lstStyle/>
+          <a:p>
+            <a:pPr algn="ctr"/>
+            <a:endParaRPr lang="ko-KR" altLang="en-US"/>
+          </a:p>
+        </p:txBody>
+      </p:sp>
+      <p:grpSp>
+        <p:nvGrpSpPr>
+          <p:cNvPr id="22" name="그룹 21"/>
+          <p:cNvGrpSpPr/>
+          <p:nvPr/>
+        </p:nvGrpSpPr>
+        <p:grpSpPr>
+          <a:xfrm>
+            <a:off x="5788812" y="1831505"/>
+            <a:ext cx="1944216" cy="1800200"/>
+            <a:chOff x="683568" y="1844824"/>
+            <a:chExt cx="1944216" cy="1800200"/>
+          </a:xfrm>
+        </p:grpSpPr>
+        <p:sp>
+          <p:nvSpPr>
+            <p:cNvPr id="23" name="직사각형 22"/>
+            <p:cNvSpPr/>
+            <p:nvPr/>
+          </p:nvSpPr>
+          <p:spPr>
+            <a:xfrm>
+              <a:off x="683568" y="1844824"/>
+              <a:ext cx="1944216" cy="1800200"/>
+            </a:xfrm>
+            <a:prstGeom prst="rect">
+              <a:avLst/>
+            </a:prstGeom>
+            <a:noFill/>
+            <a:ln>
+              <a:solidFill>
+                <a:schemeClr val="tx1"/>
+              </a:solidFill>
+            </a:ln>
+          </p:spPr>
+          <p:style>
+            <a:lnRef idx="2">
+              <a:schemeClr val="accent1">
+                <a:shade val="50000"/>
+              </a:schemeClr>
+            </a:lnRef>
+            <a:fillRef idx="1">
+              <a:schemeClr val="accent1"/>
+            </a:fillRef>
+            <a:effectRef idx="0">
+              <a:schemeClr val="accent1"/>
+            </a:effectRef>
+            <a:fontRef idx="minor">
+              <a:schemeClr val="lt1"/>
+            </a:fontRef>
+          </p:style>
+          <p:txBody>
+            <a:bodyPr rtlCol="0" anchor="ctr"/>
+            <a:lstStyle/>
+            <a:p>
+              <a:pPr algn="ctr"/>
+              <a:endParaRPr lang="ko-KR" altLang="en-US"/>
+            </a:p>
+          </p:txBody>
+        </p:sp>
+        <p:sp>
+          <p:nvSpPr>
+            <p:cNvPr id="24" name="직사각형 23"/>
+            <p:cNvSpPr/>
+            <p:nvPr/>
+          </p:nvSpPr>
+          <p:spPr>
+            <a:xfrm>
+              <a:off x="683568" y="1844824"/>
+              <a:ext cx="330379" cy="864096"/>
+            </a:xfrm>
+            <a:prstGeom prst="rect">
+              <a:avLst/>
+            </a:prstGeom>
+            <a:solidFill>
+              <a:schemeClr val="tx1">
+                <a:alpha val="50000"/>
+              </a:schemeClr>
+            </a:solidFill>
+            <a:ln>
+              <a:noFill/>
+            </a:ln>
+          </p:spPr>
+          <p:style>
+            <a:lnRef idx="2">
+              <a:schemeClr val="accent1">
+                <a:shade val="50000"/>
+              </a:schemeClr>
+            </a:lnRef>
+            <a:fillRef idx="1">
+              <a:schemeClr val="accent1"/>
+            </a:fillRef>
+            <a:effectRef idx="0">
+              <a:schemeClr val="accent1"/>
+            </a:effectRef>
+            <a:fontRef idx="minor">
+              <a:schemeClr val="lt1"/>
+            </a:fontRef>
+          </p:style>
+          <p:txBody>
+            <a:bodyPr rtlCol="0" anchor="ctr"/>
+            <a:lstStyle/>
+            <a:p>
+              <a:pPr algn="ctr"/>
+              <a:endParaRPr lang="ko-KR" altLang="en-US"/>
+            </a:p>
+          </p:txBody>
+        </p:sp>
+      </p:grpSp>
+      <p:sp>
+        <p:nvSpPr>
+          <p:cNvPr id="25" name="TextBox 24"/>
+          <p:cNvSpPr txBox="1"/>
+          <p:nvPr/>
+        </p:nvSpPr>
+        <p:spPr>
+          <a:xfrm>
+            <a:off x="5788812" y="1412696"/>
+            <a:ext cx="2725426" cy="369332"/>
+          </a:xfrm>
+          <a:prstGeom prst="rect">
+            <a:avLst/>
+          </a:prstGeom>
+          <a:noFill/>
+        </p:spPr>
+        <p:txBody>
+          <a:bodyPr wrap="none" rtlCol="0">
+            <a:spAutoFit/>
+          </a:bodyPr>
+          <a:lstStyle/>
+          <a:p>
+            <a:r>
+              <a:rPr lang="en-US" altLang="ko-KR" dirty="0" smtClean="0"/>
+              <a:t>W(x, y) * (I(</a:t>
+            </a:r>
+            <a:r>
+              <a:rPr lang="en-US" altLang="ko-KR" dirty="0" err="1" smtClean="0"/>
+              <a:t>x+u</a:t>
+            </a:r>
+            <a:r>
+              <a:rPr lang="en-US" altLang="ko-KR" dirty="0" smtClean="0"/>
+              <a:t>, y)-I(</a:t>
+            </a:r>
+            <a:r>
+              <a:rPr lang="en-US" altLang="ko-KR" dirty="0" err="1" smtClean="0"/>
+              <a:t>x,y</a:t>
+            </a:r>
+            <a:r>
+              <a:rPr lang="en-US" altLang="ko-KR" dirty="0" smtClean="0"/>
+              <a:t>))</a:t>
+            </a:r>
+            <a:endParaRPr lang="ko-KR" altLang="en-US" dirty="0"/>
+          </a:p>
+        </p:txBody>
+      </p:sp>
+      <p:sp>
+        <p:nvSpPr>
+          <p:cNvPr id="26" name="직사각형 25"/>
+          <p:cNvSpPr/>
+          <p:nvPr/>
+        </p:nvSpPr>
+        <p:spPr>
+          <a:xfrm>
+            <a:off x="6695732" y="1831505"/>
+            <a:ext cx="330379" cy="864096"/>
+          </a:xfrm>
+          <a:prstGeom prst="rect">
+            <a:avLst/>
+          </a:prstGeom>
+          <a:solidFill>
+            <a:schemeClr val="tx1">
+              <a:alpha val="50000"/>
+            </a:schemeClr>
+          </a:solidFill>
+          <a:ln>
+            <a:noFill/>
+          </a:ln>
+        </p:spPr>
+        <p:style>
+          <a:lnRef idx="2">
+            <a:schemeClr val="accent1">
+              <a:shade val="50000"/>
+            </a:schemeClr>
+          </a:lnRef>
+          <a:fillRef idx="1">
+            <a:schemeClr val="accent1"/>
+          </a:fillRef>
+          <a:effectRef idx="0">
+            <a:schemeClr val="accent1"/>
+          </a:effectRef>
+          <a:fontRef idx="minor">
+            <a:schemeClr val="lt1"/>
+          </a:fontRef>
+        </p:style>
+        <p:txBody>
+          <a:bodyPr rtlCol="0" anchor="ctr"/>
+          <a:lstStyle/>
+          <a:p>
+            <a:pPr algn="ctr"/>
+            <a:endParaRPr lang="ko-KR" altLang="en-US"/>
+          </a:p>
+        </p:txBody>
+      </p:sp>
+      <p:sp>
+        <p:nvSpPr>
+          <p:cNvPr id="27" name="직사각형 26"/>
+          <p:cNvSpPr/>
+          <p:nvPr/>
+        </p:nvSpPr>
+        <p:spPr>
+          <a:xfrm>
+            <a:off x="5868144" y="1916832"/>
+            <a:ext cx="432048" cy="432048"/>
+          </a:xfrm>
+          <a:prstGeom prst="rect">
+            <a:avLst/>
+          </a:prstGeom>
+          <a:noFill/>
+        </p:spPr>
+        <p:style>
+          <a:lnRef idx="2">
+            <a:schemeClr val="accent1">
+              <a:shade val="50000"/>
+            </a:schemeClr>
+          </a:lnRef>
+          <a:fillRef idx="1">
+            <a:schemeClr val="accent1"/>
+          </a:fillRef>
+          <a:effectRef idx="0">
+            <a:schemeClr val="accent1"/>
+          </a:effectRef>
+          <a:fontRef idx="minor">
+            <a:schemeClr val="lt1"/>
+          </a:fontRef>
+        </p:style>
+        <p:txBody>
+          <a:bodyPr rtlCol="0" anchor="ctr"/>
+          <a:lstStyle/>
+          <a:p>
+            <a:pPr algn="ctr"/>
+            <a:endParaRPr lang="ko-KR" altLang="en-US"/>
+          </a:p>
+        </p:txBody>
+      </p:sp>
     </p:spTree>
+    <p:extLst>
+      <p:ext uri="{BB962C8B-B14F-4D97-AF65-F5344CB8AC3E}">
+        <p14:creationId xmlns:p14="http://schemas.microsoft.com/office/powerpoint/2010/main" val="1097163566"/>
+      </p:ext>
+    </p:extLst>
   </p:cSld>
   <p:clrMapOvr>
     <a:masterClrMapping/>
@@ -3784,8 +5102,12 @@
           <a:lstStyle/>
           <a:p>
             <a:r>
+              <a:rPr lang="ko-KR" altLang="en-US" dirty="0" err="1" smtClean="0"/>
+              <a:t>간략화</a:t>
+            </a:r>
+            <a:r>
               <a:rPr lang="en-US" altLang="ko-KR" dirty="0" smtClean="0"/>
-              <a:t>score</a:t>
+              <a:t>?</a:t>
             </a:r>
             <a:endParaRPr lang="ko-KR" altLang="en-US" dirty="0"/>
           </a:p>
@@ -3803,8 +5125,8 @@
         </p:nvSpPr>
         <p:spPr>
           <a:xfrm>
-            <a:off x="457200" y="4797152"/>
-            <a:ext cx="8229600" cy="1329011"/>
+            <a:off x="457200" y="5411106"/>
+            <a:ext cx="8229600" cy="715057"/>
           </a:xfrm>
         </p:spPr>
         <p:txBody>
@@ -3817,7 +5139,7 @@
       </p:sp>
       <p:pic>
         <p:nvPicPr>
-          <p:cNvPr id="4" name="Picture 4" descr="R = det(M) - k(trace(M))^2"/>
+          <p:cNvPr id="16388" name="Picture 4" descr="http://aishack.in/static/img/tut/harris-equation3.jpg"/>
           <p:cNvPicPr>
             <a:picLocks noChangeAspect="1" noChangeArrowheads="1"/>
           </p:cNvPicPr>
@@ -3832,8 +5154,8 @@
         </p:blipFill>
         <p:spPr bwMode="auto">
           <a:xfrm>
-            <a:off x="1187624" y="1700808"/>
-            <a:ext cx="4546791" cy="432048"/>
+            <a:off x="1213374" y="1801762"/>
+            <a:ext cx="3505200" cy="619126"/>
           </a:xfrm>
           <a:prstGeom prst="rect">
             <a:avLst/>
@@ -3841,6 +5163,235 @@
           <a:noFill/>
         </p:spPr>
       </p:pic>
+      <p:pic>
+        <p:nvPicPr>
+          <p:cNvPr id="16390" name="Picture 6" descr="http://aishack.in/static/img/tut/harris-equation4.jpg"/>
+          <p:cNvPicPr>
+            <a:picLocks noChangeAspect="1" noChangeArrowheads="1"/>
+          </p:cNvPicPr>
+          <p:nvPr/>
+        </p:nvPicPr>
+        <p:blipFill>
+          <a:blip r:embed="rId3" cstate="print"/>
+          <a:srcRect/>
+          <a:stretch>
+            <a:fillRect/>
+          </a:stretch>
+        </p:blipFill>
+        <p:spPr bwMode="auto">
+          <a:xfrm>
+            <a:off x="1285382" y="2420888"/>
+            <a:ext cx="3038475" cy="571501"/>
+          </a:xfrm>
+          <a:prstGeom prst="rect">
+            <a:avLst/>
+          </a:prstGeom>
+          <a:noFill/>
+        </p:spPr>
+      </p:pic>
+      <p:pic>
+        <p:nvPicPr>
+          <p:cNvPr id="16392" name="Picture 8" descr="http://aishack.in/static/img/tut/harris-equation5.jpg"/>
+          <p:cNvPicPr>
+            <a:picLocks noChangeAspect="1" noChangeArrowheads="1"/>
+          </p:cNvPicPr>
+          <p:nvPr/>
+        </p:nvPicPr>
+        <p:blipFill>
+          <a:blip r:embed="rId4" cstate="print"/>
+          <a:srcRect/>
+          <a:stretch>
+            <a:fillRect/>
+          </a:stretch>
+        </p:blipFill>
+        <p:spPr bwMode="auto">
+          <a:xfrm>
+            <a:off x="1357390" y="2996952"/>
+            <a:ext cx="3200400" cy="676276"/>
+          </a:xfrm>
+          <a:prstGeom prst="rect">
+            <a:avLst/>
+          </a:prstGeom>
+          <a:noFill/>
+        </p:spPr>
+      </p:pic>
+      <p:pic>
+        <p:nvPicPr>
+          <p:cNvPr id="16394" name="Picture 10" descr="http://aishack.in/static/img/tut/harris-equation6.jpg"/>
+          <p:cNvPicPr>
+            <a:picLocks noChangeAspect="1" noChangeArrowheads="1"/>
+          </p:cNvPicPr>
+          <p:nvPr/>
+        </p:nvPicPr>
+        <p:blipFill>
+          <a:blip r:embed="rId5" cstate="print"/>
+          <a:srcRect/>
+          <a:stretch>
+            <a:fillRect/>
+          </a:stretch>
+        </p:blipFill>
+        <p:spPr bwMode="auto">
+          <a:xfrm>
+            <a:off x="1357390" y="4293096"/>
+            <a:ext cx="2276475" cy="647700"/>
+          </a:xfrm>
+          <a:prstGeom prst="rect">
+            <a:avLst/>
+          </a:prstGeom>
+          <a:noFill/>
+        </p:spPr>
+      </p:pic>
+      <p:pic>
+        <p:nvPicPr>
+          <p:cNvPr id="16396" name="Picture 12" descr="http://aishack.in/static/img/tut/harris-equation8.jpg"/>
+          <p:cNvPicPr>
+            <a:picLocks noChangeAspect="1" noChangeArrowheads="1"/>
+          </p:cNvPicPr>
+          <p:nvPr/>
+        </p:nvPicPr>
+        <p:blipFill>
+          <a:blip r:embed="rId6" cstate="print"/>
+          <a:srcRect/>
+          <a:stretch>
+            <a:fillRect/>
+          </a:stretch>
+        </p:blipFill>
+        <p:spPr bwMode="auto">
+          <a:xfrm>
+            <a:off x="5642499" y="2288042"/>
+            <a:ext cx="2864775" cy="1622964"/>
+          </a:xfrm>
+          <a:prstGeom prst="rect">
+            <a:avLst/>
+          </a:prstGeom>
+          <a:noFill/>
+        </p:spPr>
+      </p:pic>
+      <p:pic>
+        <p:nvPicPr>
+          <p:cNvPr id="1026" name="Picture 2" descr="E(u,v) \approx \begin{bmatrix} u &amp; v \end{bmatrix} M \begin{bmatrix} u \\ v \end{bmatrix}"/>
+          <p:cNvPicPr>
+            <a:picLocks noChangeAspect="1" noChangeArrowheads="1"/>
+          </p:cNvPicPr>
+          <p:nvPr/>
+        </p:nvPicPr>
+        <p:blipFill>
+          <a:blip r:embed="rId7">
+            <a:extLst>
+              <a:ext uri="{28A0092B-C50C-407E-A947-70E740481C1C}">
+                <a14:useLocalDpi xmlns:a14="http://schemas.microsoft.com/office/drawing/2010/main" val="0"/>
+              </a:ext>
+            </a:extLst>
+          </a:blip>
+          <a:srcRect/>
+          <a:stretch>
+            <a:fillRect/>
+          </a:stretch>
+        </p:blipFill>
+        <p:spPr bwMode="auto">
+          <a:xfrm>
+            <a:off x="1429398" y="3717032"/>
+            <a:ext cx="1724025" cy="428626"/>
+          </a:xfrm>
+          <a:prstGeom prst="rect">
+            <a:avLst/>
+          </a:prstGeom>
+          <a:noFill/>
+          <a:extLst>
+            <a:ext uri="{909E8E84-426E-40DD-AFC4-6F175D3DCCD1}">
+              <a14:hiddenFill xmlns:a14="http://schemas.microsoft.com/office/drawing/2010/main">
+                <a:solidFill>
+                  <a:srgbClr val="FFFFFF"/>
+                </a:solidFill>
+              </a14:hiddenFill>
+            </a:ext>
+          </a:extLst>
+        </p:spPr>
+      </p:pic>
+      <p:sp>
+        <p:nvSpPr>
+          <p:cNvPr id="4" name="TextBox 3"/>
+          <p:cNvSpPr txBox="1"/>
+          <p:nvPr/>
+        </p:nvSpPr>
+        <p:spPr>
+          <a:xfrm>
+            <a:off x="5508419" y="3717032"/>
+            <a:ext cx="2998855" cy="646331"/>
+          </a:xfrm>
+          <a:prstGeom prst="rect">
+            <a:avLst/>
+          </a:prstGeom>
+          <a:noFill/>
+        </p:spPr>
+        <p:txBody>
+          <a:bodyPr wrap="square" rtlCol="0">
+            <a:spAutoFit/>
+          </a:bodyPr>
+          <a:lstStyle/>
+          <a:p>
+            <a:r>
+              <a:rPr lang="en-US" altLang="ko-KR" dirty="0" smtClean="0"/>
+              <a:t>Lambda : </a:t>
+            </a:r>
+            <a:r>
+              <a:rPr lang="en-US" altLang="ko-KR" dirty="0" err="1" smtClean="0"/>
+              <a:t>eigen</a:t>
+            </a:r>
+            <a:r>
+              <a:rPr lang="en-US" altLang="ko-KR" dirty="0" smtClean="0"/>
+              <a:t> values of M</a:t>
+            </a:r>
+            <a:endParaRPr lang="ko-KR" altLang="en-US" dirty="0"/>
+          </a:p>
+        </p:txBody>
+      </p:sp>
+      <p:sp>
+        <p:nvSpPr>
+          <p:cNvPr id="5" name="TextBox 4"/>
+          <p:cNvSpPr txBox="1"/>
+          <p:nvPr/>
+        </p:nvSpPr>
+        <p:spPr>
+          <a:xfrm>
+            <a:off x="3633865" y="4543632"/>
+            <a:ext cx="3749111" cy="369332"/>
+          </a:xfrm>
+          <a:prstGeom prst="rect">
+            <a:avLst/>
+          </a:prstGeom>
+          <a:noFill/>
+        </p:spPr>
+        <p:txBody>
+          <a:bodyPr wrap="square" rtlCol="0">
+            <a:spAutoFit/>
+          </a:bodyPr>
+          <a:lstStyle/>
+          <a:p>
+            <a:r>
+              <a:rPr lang="en-US" altLang="ko-KR" dirty="0" smtClean="0"/>
+              <a:t>Ix, </a:t>
+            </a:r>
+            <a:r>
+              <a:rPr lang="en-US" altLang="ko-KR" dirty="0" err="1" smtClean="0"/>
+              <a:t>Iy</a:t>
+            </a:r>
+            <a:r>
+              <a:rPr lang="en-US" altLang="ko-KR" dirty="0" smtClean="0"/>
+              <a:t> : </a:t>
+            </a:r>
+            <a:r>
+              <a:rPr lang="en-US" altLang="ko-KR" dirty="0" err="1" smtClean="0"/>
+              <a:t>sobel</a:t>
+            </a:r>
+            <a:r>
+              <a:rPr lang="ko-KR" altLang="en-US" dirty="0" smtClean="0"/>
+              <a:t>로 계산</a:t>
+            </a:r>
+            <a:endParaRPr lang="ko-KR" altLang="en-US" dirty="0"/>
+          </a:p>
+        </p:txBody>
+      </p:sp>
     </p:spTree>
   </p:cSld>
   <p:clrMapOvr>
@@ -3881,7 +5432,7 @@
           <a:bodyPr/>
           <a:lstStyle/>
           <a:p>
-            <a:endParaRPr lang="ko-KR" altLang="en-US"/>
+            <a:endParaRPr lang="ko-KR" altLang="en-US" dirty="0"/>
           </a:p>
         </p:txBody>
       </p:sp>
@@ -3900,11 +5451,339 @@
           <a:bodyPr/>
           <a:lstStyle/>
           <a:p>
-            <a:endParaRPr lang="ko-KR" altLang="en-US"/>
-          </a:p>
-        </p:txBody>
-      </p:sp>
+            <a:endParaRPr lang="ko-KR" altLang="en-US" dirty="0"/>
+          </a:p>
+        </p:txBody>
+      </p:sp>
+      <p:pic>
+        <p:nvPicPr>
+          <p:cNvPr id="17410" name="Picture 2" descr="Classification of Image Points"/>
+          <p:cNvPicPr>
+            <a:picLocks noChangeAspect="1" noChangeArrowheads="1"/>
+          </p:cNvPicPr>
+          <p:nvPr/>
+        </p:nvPicPr>
+        <p:blipFill>
+          <a:blip r:embed="rId2" cstate="print"/>
+          <a:srcRect/>
+          <a:stretch>
+            <a:fillRect/>
+          </a:stretch>
+        </p:blipFill>
+        <p:spPr bwMode="auto">
+          <a:xfrm>
+            <a:off x="2195736" y="1556792"/>
+            <a:ext cx="4114800" cy="3962401"/>
+          </a:xfrm>
+          <a:prstGeom prst="rect">
+            <a:avLst/>
+          </a:prstGeom>
+          <a:noFill/>
+        </p:spPr>
+      </p:pic>
     </p:spTree>
+  </p:cSld>
+  <p:clrMapOvr>
+    <a:masterClrMapping/>
+  </p:clrMapOvr>
+</p:sld>
+</file>
+
+<file path=ppt/slides/slide8.xml><?xml version="1.0" encoding="utf-8"?>
+<p:sld xmlns:a="http://schemas.openxmlformats.org/drawingml/2006/main" xmlns:r="http://schemas.openxmlformats.org/officeDocument/2006/relationships" xmlns:p="http://schemas.openxmlformats.org/presentationml/2006/main">
+  <p:cSld>
+    <p:spTree>
+      <p:nvGrpSpPr>
+        <p:cNvPr id="1" name=""/>
+        <p:cNvGrpSpPr/>
+        <p:nvPr/>
+      </p:nvGrpSpPr>
+      <p:grpSpPr>
+        <a:xfrm>
+          <a:off x="0" y="0"/>
+          <a:ext cx="0" cy="0"/>
+          <a:chOff x="0" y="0"/>
+          <a:chExt cx="0" cy="0"/>
+        </a:xfrm>
+      </p:grpSpPr>
+      <p:sp>
+        <p:nvSpPr>
+          <p:cNvPr id="2" name="제목 1"/>
+          <p:cNvSpPr>
+            <a:spLocks noGrp="1"/>
+          </p:cNvSpPr>
+          <p:nvPr>
+            <p:ph type="title"/>
+          </p:nvPr>
+        </p:nvSpPr>
+        <p:spPr/>
+        <p:txBody>
+          <a:bodyPr/>
+          <a:lstStyle/>
+          <a:p>
+            <a:r>
+              <a:rPr lang="en-US" altLang="ko-KR" dirty="0" smtClean="0"/>
+              <a:t>function</a:t>
+            </a:r>
+            <a:endParaRPr lang="ko-KR" altLang="en-US" dirty="0"/>
+          </a:p>
+        </p:txBody>
+      </p:sp>
+      <p:sp>
+        <p:nvSpPr>
+          <p:cNvPr id="3" name="내용 개체 틀 2"/>
+          <p:cNvSpPr>
+            <a:spLocks noGrp="1"/>
+          </p:cNvSpPr>
+          <p:nvPr>
+            <p:ph idx="1"/>
+          </p:nvPr>
+        </p:nvSpPr>
+        <p:spPr/>
+        <p:txBody>
+          <a:bodyPr>
+            <a:normAutofit fontScale="77500" lnSpcReduction="20000"/>
+          </a:bodyPr>
+          <a:lstStyle/>
+          <a:p>
+            <a:r>
+              <a:rPr lang="en-US" altLang="ko-KR" dirty="0"/>
+              <a:t>cv2.cornerHarris(</a:t>
+            </a:r>
+            <a:r>
+              <a:rPr lang="en-US" altLang="ko-KR" dirty="0" err="1"/>
+              <a:t>src</a:t>
+            </a:r>
+            <a:r>
+              <a:rPr lang="en-US" altLang="ko-KR" dirty="0"/>
+              <a:t>, </a:t>
+            </a:r>
+            <a:r>
+              <a:rPr lang="en-US" altLang="ko-KR" dirty="0" err="1"/>
+              <a:t>blockSize</a:t>
+            </a:r>
+            <a:r>
+              <a:rPr lang="en-US" altLang="ko-KR" dirty="0"/>
+              <a:t>, </a:t>
+            </a:r>
+            <a:r>
+              <a:rPr lang="en-US" altLang="ko-KR" dirty="0" err="1"/>
+              <a:t>ksize</a:t>
+            </a:r>
+            <a:r>
+              <a:rPr lang="en-US" altLang="ko-KR" dirty="0"/>
+              <a:t>, k[, </a:t>
+            </a:r>
+            <a:r>
+              <a:rPr lang="en-US" altLang="ko-KR" dirty="0" err="1"/>
+              <a:t>dst</a:t>
+            </a:r>
+            <a:r>
+              <a:rPr lang="en-US" altLang="ko-KR" dirty="0"/>
+              <a:t>[, </a:t>
+            </a:r>
+            <a:r>
+              <a:rPr lang="en-US" altLang="ko-KR" dirty="0" err="1"/>
+              <a:t>borderType</a:t>
+            </a:r>
+            <a:r>
+              <a:rPr lang="en-US" altLang="ko-KR" dirty="0"/>
+              <a:t>]]) → </a:t>
+            </a:r>
+            <a:r>
+              <a:rPr lang="en-US" altLang="ko-KR" dirty="0" err="1" smtClean="0"/>
+              <a:t>dst</a:t>
+            </a:r>
+            <a:endParaRPr lang="en-US" altLang="ko-KR" dirty="0" smtClean="0"/>
+          </a:p>
+          <a:p>
+            <a:endParaRPr lang="en-US" altLang="ko-KR" dirty="0"/>
+          </a:p>
+          <a:p>
+            <a:r>
+              <a:rPr lang="en-US" altLang="ko-KR" dirty="0" err="1"/>
+              <a:t>src</a:t>
+            </a:r>
+            <a:r>
+              <a:rPr lang="en-US" altLang="ko-KR" dirty="0"/>
+              <a:t> – Input single-channel 8-bit or floating-point image. </a:t>
+            </a:r>
+            <a:endParaRPr lang="en-US" altLang="ko-KR" dirty="0" smtClean="0"/>
+          </a:p>
+          <a:p>
+            <a:r>
+              <a:rPr lang="en-US" altLang="ko-KR" dirty="0" err="1" smtClean="0"/>
+              <a:t>dst</a:t>
+            </a:r>
+            <a:r>
+              <a:rPr lang="en-US" altLang="ko-KR" dirty="0" smtClean="0"/>
+              <a:t> </a:t>
+            </a:r>
+            <a:r>
+              <a:rPr lang="en-US" altLang="ko-KR" dirty="0"/>
+              <a:t>– Image to store the Harris detector responses. </a:t>
+            </a:r>
+            <a:endParaRPr lang="en-US" altLang="ko-KR" dirty="0" smtClean="0"/>
+          </a:p>
+          <a:p>
+            <a:r>
+              <a:rPr lang="en-US" altLang="ko-KR" dirty="0" err="1" smtClean="0"/>
+              <a:t>blockSize</a:t>
+            </a:r>
+            <a:r>
+              <a:rPr lang="en-US" altLang="ko-KR" dirty="0" smtClean="0"/>
+              <a:t> </a:t>
+            </a:r>
+            <a:r>
+              <a:rPr lang="en-US" altLang="ko-KR" dirty="0"/>
+              <a:t>– Neighborhood size (see the details on </a:t>
+            </a:r>
+            <a:r>
+              <a:rPr lang="en-US" altLang="ko-KR" dirty="0" err="1"/>
+              <a:t>cornerEigenValsAndVecs</a:t>
+            </a:r>
+            <a:r>
+              <a:rPr lang="en-US" altLang="ko-KR" dirty="0"/>
+              <a:t>() </a:t>
+            </a:r>
+            <a:r>
+              <a:rPr lang="en-US" altLang="ko-KR" dirty="0" smtClean="0"/>
+              <a:t>).</a:t>
+            </a:r>
+          </a:p>
+          <a:p>
+            <a:r>
+              <a:rPr lang="en-US" altLang="ko-KR" dirty="0" err="1" smtClean="0"/>
+              <a:t>ksize</a:t>
+            </a:r>
+            <a:r>
+              <a:rPr lang="en-US" altLang="ko-KR" dirty="0" smtClean="0"/>
+              <a:t> </a:t>
+            </a:r>
+            <a:r>
+              <a:rPr lang="en-US" altLang="ko-KR" dirty="0"/>
+              <a:t>– Aperture parameter for the Sobel() operator. k – Harris detector free parameter. See the formula below. </a:t>
+            </a:r>
+            <a:r>
+              <a:rPr lang="en-US" altLang="ko-KR" dirty="0" err="1"/>
+              <a:t>borderType</a:t>
+            </a:r>
+            <a:r>
+              <a:rPr lang="en-US" altLang="ko-KR" dirty="0"/>
+              <a:t> – Pixel extrapolation method. See </a:t>
+            </a:r>
+            <a:r>
+              <a:rPr lang="en-US" altLang="ko-KR" dirty="0" err="1"/>
+              <a:t>borderInterpolate</a:t>
+            </a:r>
+            <a:r>
+              <a:rPr lang="en-US" altLang="ko-KR" dirty="0"/>
+              <a:t>() .</a:t>
+            </a:r>
+            <a:endParaRPr lang="en-US" altLang="ko-KR" dirty="0" smtClean="0"/>
+          </a:p>
+          <a:p>
+            <a:endParaRPr lang="ko-KR" altLang="en-US" dirty="0"/>
+          </a:p>
+        </p:txBody>
+      </p:sp>
+    </p:spTree>
+  </p:cSld>
+  <p:clrMapOvr>
+    <a:masterClrMapping/>
+  </p:clrMapOvr>
+</p:sld>
+</file>
+
+<file path=ppt/slides/slide9.xml><?xml version="1.0" encoding="utf-8"?>
+<p:sld xmlns:a="http://schemas.openxmlformats.org/drawingml/2006/main" xmlns:r="http://schemas.openxmlformats.org/officeDocument/2006/relationships" xmlns:p="http://schemas.openxmlformats.org/presentationml/2006/main">
+  <p:cSld>
+    <p:spTree>
+      <p:nvGrpSpPr>
+        <p:cNvPr id="1" name=""/>
+        <p:cNvGrpSpPr/>
+        <p:nvPr/>
+      </p:nvGrpSpPr>
+      <p:grpSpPr>
+        <a:xfrm>
+          <a:off x="0" y="0"/>
+          <a:ext cx="0" cy="0"/>
+          <a:chOff x="0" y="0"/>
+          <a:chExt cx="0" cy="0"/>
+        </a:xfrm>
+      </p:grpSpPr>
+      <p:sp>
+        <p:nvSpPr>
+          <p:cNvPr id="2" name="제목 1"/>
+          <p:cNvSpPr>
+            <a:spLocks noGrp="1"/>
+          </p:cNvSpPr>
+          <p:nvPr>
+            <p:ph type="title"/>
+          </p:nvPr>
+        </p:nvSpPr>
+        <p:spPr/>
+        <p:txBody>
+          <a:bodyPr/>
+          <a:lstStyle/>
+          <a:p>
+            <a:r>
+              <a:rPr lang="en-US" altLang="ko-KR" dirty="0" smtClean="0"/>
+              <a:t>code</a:t>
+            </a:r>
+            <a:endParaRPr lang="ko-KR" altLang="en-US" dirty="0"/>
+          </a:p>
+        </p:txBody>
+      </p:sp>
+      <p:sp>
+        <p:nvSpPr>
+          <p:cNvPr id="3" name="내용 개체 틀 2"/>
+          <p:cNvSpPr>
+            <a:spLocks noGrp="1"/>
+          </p:cNvSpPr>
+          <p:nvPr>
+            <p:ph idx="1"/>
+          </p:nvPr>
+        </p:nvSpPr>
+        <p:spPr/>
+        <p:txBody>
+          <a:bodyPr/>
+          <a:lstStyle/>
+          <a:p>
+            <a:endParaRPr lang="ko-KR" altLang="en-US"/>
+          </a:p>
+        </p:txBody>
+      </p:sp>
+      <p:pic>
+        <p:nvPicPr>
+          <p:cNvPr id="4" name="그림 3"/>
+          <p:cNvPicPr>
+            <a:picLocks noChangeAspect="1"/>
+          </p:cNvPicPr>
+          <p:nvPr/>
+        </p:nvPicPr>
+        <p:blipFill>
+          <a:blip r:embed="rId2"/>
+          <a:stretch>
+            <a:fillRect/>
+          </a:stretch>
+        </p:blipFill>
+        <p:spPr>
+          <a:xfrm>
+            <a:off x="683568" y="1417638"/>
+            <a:ext cx="4029075" cy="3752850"/>
+          </a:xfrm>
+          <a:prstGeom prst="rect">
+            <a:avLst/>
+          </a:prstGeom>
+        </p:spPr>
+      </p:pic>
+    </p:spTree>
+    <p:extLst>
+      <p:ext uri="{BB962C8B-B14F-4D97-AF65-F5344CB8AC3E}">
+        <p14:creationId xmlns:p14="http://schemas.microsoft.com/office/powerpoint/2010/main" val="193947349"/>
+      </p:ext>
+    </p:extLst>
   </p:cSld>
   <p:clrMapOvr>
     <a:masterClrMapping/>
